--- a/Presentations/DS_Project_Week-2.pptx
+++ b/Presentations/DS_Project_Week-2.pptx
@@ -4,11 +4,18 @@
   <p:sldMasterIdLst>
     <p:sldMasterId id="2147483648" r:id="rId1"/>
   </p:sldMasterIdLst>
+  <p:notesMasterIdLst>
+    <p:notesMasterId r:id="rId10"/>
+  </p:notesMasterIdLst>
   <p:sldIdLst>
     <p:sldId id="257" r:id="rId2"/>
     <p:sldId id="259" r:id="rId3"/>
-    <p:sldId id="258" r:id="rId4"/>
-    <p:sldId id="260" r:id="rId5"/>
+    <p:sldId id="265" r:id="rId4"/>
+    <p:sldId id="267" r:id="rId5"/>
+    <p:sldId id="266" r:id="rId6"/>
+    <p:sldId id="258" r:id="rId7"/>
+    <p:sldId id="260" r:id="rId8"/>
+    <p:sldId id="263" r:id="rId9"/>
   </p:sldIdLst>
   <p:sldSz cx="12192000" cy="6858000"/>
   <p:notesSz cx="6858000" cy="9144000"/>
@@ -115,12 +122,627 @@
 </p:presentation>
 </file>
 
+<file path=ppt/authors.xml><?xml version="1.0" encoding="utf-8"?>
+<p188:authorLst xmlns:a="http://schemas.openxmlformats.org/drawingml/2006/main" xmlns:r="http://schemas.openxmlformats.org/officeDocument/2006/relationships" xmlns:p188="http://schemas.microsoft.com/office/powerpoint/2018/8/main">
+  <p188:author id="{72FBA1C0-A33C-797A-B487-9495DDD45C01}" name="Sara Rolfs" initials="SR" userId="f5a479696c017afd" providerId="Windows Live"/>
+</p188:authorLst>
+</file>
+
 <file path=ppt/revisionInfo.xml><?xml version="1.0" encoding="utf-8"?>
 <p1510:revInfo xmlns:a="http://schemas.openxmlformats.org/drawingml/2006/main" xmlns:r="http://schemas.openxmlformats.org/officeDocument/2006/relationships" xmlns:p1510="http://schemas.microsoft.com/office/powerpoint/2015/10/main">
   <p1510:revLst>
     <p1510:client id="{0D31D8EB-B09B-B924-79D4-FCD307DA666B}" v="151" dt="2025-03-03T10:27:26.455"/>
   </p1510:revLst>
 </p1510:revInfo>
+</file>
+
+<file path=ppt/comments/modernComment_103_C377BE86.xml><?xml version="1.0" encoding="utf-8"?>
+<p188:cmLst xmlns:a="http://schemas.openxmlformats.org/drawingml/2006/main" xmlns:r="http://schemas.openxmlformats.org/officeDocument/2006/relationships" xmlns:p188="http://schemas.microsoft.com/office/powerpoint/2018/8/main">
+  <p188:cm id="{38F282C6-C270-4FBB-8B73-6BC24CFCE707}" authorId="{72FBA1C0-A33C-797A-B487-9495DDD45C01}" created="2025-03-13T18:14:11.361">
+    <ac:deMkLst xmlns:ac="http://schemas.microsoft.com/office/drawing/2013/main/command">
+      <pc:docMk xmlns:pc="http://schemas.microsoft.com/office/powerpoint/2013/main/command"/>
+      <pc:sldMk xmlns:pc="http://schemas.microsoft.com/office/powerpoint/2013/main/command" cId="3279404678" sldId="259"/>
+      <ac:spMk id="3" creationId="{29D37BE6-749F-A613-C3F0-40294EF1C587}"/>
+    </ac:deMkLst>
+    <p188:txBody>
+      <a:bodyPr/>
+      <a:lstStyle/>
+      <a:p>
+        <a:r>
+          <a:rPr lang="de-DE"/>
+          <a:t>Pro Thema eine Beispielfrage nennen</a:t>
+        </a:r>
+      </a:p>
+    </p188:txBody>
+  </p188:cm>
+</p188:cmLst>
+</file>
+
+<file path=ppt/notesMasters/notesMaster1.xml><?xml version="1.0" encoding="utf-8"?>
+<p:notesMaster xmlns:a="http://schemas.openxmlformats.org/drawingml/2006/main" xmlns:r="http://schemas.openxmlformats.org/officeDocument/2006/relationships" xmlns:p="http://schemas.openxmlformats.org/presentationml/2006/main">
+  <p:cSld>
+    <p:bg>
+      <p:bgRef idx="1001">
+        <a:schemeClr val="bg1"/>
+      </p:bgRef>
+    </p:bg>
+    <p:spTree>
+      <p:nvGrpSpPr>
+        <p:cNvPr id="1" name=""/>
+        <p:cNvGrpSpPr/>
+        <p:nvPr/>
+      </p:nvGrpSpPr>
+      <p:grpSpPr>
+        <a:xfrm>
+          <a:off x="0" y="0"/>
+          <a:ext cx="0" cy="0"/>
+          <a:chOff x="0" y="0"/>
+          <a:chExt cx="0" cy="0"/>
+        </a:xfrm>
+      </p:grpSpPr>
+      <p:sp>
+        <p:nvSpPr>
+          <p:cNvPr id="2" name="Kopfzeilenplatzhalter 1"/>
+          <p:cNvSpPr>
+            <a:spLocks noGrp="1"/>
+          </p:cNvSpPr>
+          <p:nvPr>
+            <p:ph type="hdr" sz="quarter"/>
+          </p:nvPr>
+        </p:nvSpPr>
+        <p:spPr>
+          <a:xfrm>
+            <a:off x="0" y="0"/>
+            <a:ext cx="2971800" cy="458788"/>
+          </a:xfrm>
+          <a:prstGeom prst="rect">
+            <a:avLst/>
+          </a:prstGeom>
+        </p:spPr>
+        <p:txBody>
+          <a:bodyPr vert="horz" lIns="91440" tIns="45720" rIns="91440" bIns="45720" rtlCol="0"/>
+          <a:lstStyle>
+            <a:lvl1pPr algn="l">
+              <a:defRPr sz="1200"/>
+            </a:lvl1pPr>
+          </a:lstStyle>
+          <a:p>
+            <a:endParaRPr lang="LID4096"/>
+          </a:p>
+        </p:txBody>
+      </p:sp>
+      <p:sp>
+        <p:nvSpPr>
+          <p:cNvPr id="3" name="Datumsplatzhalter 2"/>
+          <p:cNvSpPr>
+            <a:spLocks noGrp="1"/>
+          </p:cNvSpPr>
+          <p:nvPr>
+            <p:ph type="dt" idx="1"/>
+          </p:nvPr>
+        </p:nvSpPr>
+        <p:spPr>
+          <a:xfrm>
+            <a:off x="3884613" y="0"/>
+            <a:ext cx="2971800" cy="458788"/>
+          </a:xfrm>
+          <a:prstGeom prst="rect">
+            <a:avLst/>
+          </a:prstGeom>
+        </p:spPr>
+        <p:txBody>
+          <a:bodyPr vert="horz" lIns="91440" tIns="45720" rIns="91440" bIns="45720" rtlCol="0"/>
+          <a:lstStyle>
+            <a:lvl1pPr algn="r">
+              <a:defRPr sz="1200"/>
+            </a:lvl1pPr>
+          </a:lstStyle>
+          <a:p>
+            <a:fld id="{21B0E6BD-B292-4646-80AD-8013B9E69865}" type="datetimeFigureOut">
+              <a:rPr lang="LID4096" smtClean="0"/>
+              <a:t>03/14/2025</a:t>
+            </a:fld>
+            <a:endParaRPr lang="LID4096"/>
+          </a:p>
+        </p:txBody>
+      </p:sp>
+      <p:sp>
+        <p:nvSpPr>
+          <p:cNvPr id="4" name="Folienbildplatzhalter 3"/>
+          <p:cNvSpPr>
+            <a:spLocks noGrp="1" noRot="1" noChangeAspect="1"/>
+          </p:cNvSpPr>
+          <p:nvPr>
+            <p:ph type="sldImg" idx="2"/>
+          </p:nvPr>
+        </p:nvSpPr>
+        <p:spPr>
+          <a:xfrm>
+            <a:off x="685800" y="1143000"/>
+            <a:ext cx="5486400" cy="3086100"/>
+          </a:xfrm>
+          <a:prstGeom prst="rect">
+            <a:avLst/>
+          </a:prstGeom>
+          <a:noFill/>
+          <a:ln w="12700">
+            <a:solidFill>
+              <a:prstClr val="black"/>
+            </a:solidFill>
+          </a:ln>
+        </p:spPr>
+        <p:txBody>
+          <a:bodyPr vert="horz" lIns="91440" tIns="45720" rIns="91440" bIns="45720" rtlCol="0" anchor="ctr"/>
+          <a:lstStyle/>
+          <a:p>
+            <a:endParaRPr lang="LID4096"/>
+          </a:p>
+        </p:txBody>
+      </p:sp>
+      <p:sp>
+        <p:nvSpPr>
+          <p:cNvPr id="5" name="Notizenplatzhalter 4"/>
+          <p:cNvSpPr>
+            <a:spLocks noGrp="1"/>
+          </p:cNvSpPr>
+          <p:nvPr>
+            <p:ph type="body" sz="quarter" idx="3"/>
+          </p:nvPr>
+        </p:nvSpPr>
+        <p:spPr>
+          <a:xfrm>
+            <a:off x="685800" y="4400550"/>
+            <a:ext cx="5486400" cy="3600450"/>
+          </a:xfrm>
+          <a:prstGeom prst="rect">
+            <a:avLst/>
+          </a:prstGeom>
+        </p:spPr>
+        <p:txBody>
+          <a:bodyPr vert="horz" lIns="91440" tIns="45720" rIns="91440" bIns="45720" rtlCol="0"/>
+          <a:lstStyle/>
+          <a:p>
+            <a:pPr lvl="0"/>
+            <a:r>
+              <a:rPr lang="de-DE"/>
+              <a:t>Mastertextformat bearbeiten</a:t>
+            </a:r>
+          </a:p>
+          <a:p>
+            <a:pPr lvl="1"/>
+            <a:r>
+              <a:rPr lang="de-DE"/>
+              <a:t>Zweite Ebene</a:t>
+            </a:r>
+          </a:p>
+          <a:p>
+            <a:pPr lvl="2"/>
+            <a:r>
+              <a:rPr lang="de-DE"/>
+              <a:t>Dritte Ebene</a:t>
+            </a:r>
+          </a:p>
+          <a:p>
+            <a:pPr lvl="3"/>
+            <a:r>
+              <a:rPr lang="de-DE"/>
+              <a:t>Vierte Ebene</a:t>
+            </a:r>
+          </a:p>
+          <a:p>
+            <a:pPr lvl="4"/>
+            <a:r>
+              <a:rPr lang="de-DE"/>
+              <a:t>Fünfte Ebene</a:t>
+            </a:r>
+            <a:endParaRPr lang="LID4096"/>
+          </a:p>
+        </p:txBody>
+      </p:sp>
+      <p:sp>
+        <p:nvSpPr>
+          <p:cNvPr id="6" name="Fußzeilenplatzhalter 5"/>
+          <p:cNvSpPr>
+            <a:spLocks noGrp="1"/>
+          </p:cNvSpPr>
+          <p:nvPr>
+            <p:ph type="ftr" sz="quarter" idx="4"/>
+          </p:nvPr>
+        </p:nvSpPr>
+        <p:spPr>
+          <a:xfrm>
+            <a:off x="0" y="8685213"/>
+            <a:ext cx="2971800" cy="458787"/>
+          </a:xfrm>
+          <a:prstGeom prst="rect">
+            <a:avLst/>
+          </a:prstGeom>
+        </p:spPr>
+        <p:txBody>
+          <a:bodyPr vert="horz" lIns="91440" tIns="45720" rIns="91440" bIns="45720" rtlCol="0" anchor="b"/>
+          <a:lstStyle>
+            <a:lvl1pPr algn="l">
+              <a:defRPr sz="1200"/>
+            </a:lvl1pPr>
+          </a:lstStyle>
+          <a:p>
+            <a:endParaRPr lang="LID4096"/>
+          </a:p>
+        </p:txBody>
+      </p:sp>
+      <p:sp>
+        <p:nvSpPr>
+          <p:cNvPr id="7" name="Foliennummernplatzhalter 6"/>
+          <p:cNvSpPr>
+            <a:spLocks noGrp="1"/>
+          </p:cNvSpPr>
+          <p:nvPr>
+            <p:ph type="sldNum" sz="quarter" idx="5"/>
+          </p:nvPr>
+        </p:nvSpPr>
+        <p:spPr>
+          <a:xfrm>
+            <a:off x="3884613" y="8685213"/>
+            <a:ext cx="2971800" cy="458787"/>
+          </a:xfrm>
+          <a:prstGeom prst="rect">
+            <a:avLst/>
+          </a:prstGeom>
+        </p:spPr>
+        <p:txBody>
+          <a:bodyPr vert="horz" lIns="91440" tIns="45720" rIns="91440" bIns="45720" rtlCol="0" anchor="b"/>
+          <a:lstStyle>
+            <a:lvl1pPr algn="r">
+              <a:defRPr sz="1200"/>
+            </a:lvl1pPr>
+          </a:lstStyle>
+          <a:p>
+            <a:fld id="{86C3E2B2-983C-4189-A672-243DAEAB4F17}" type="slidenum">
+              <a:rPr lang="LID4096" smtClean="0"/>
+              <a:t>‹Nr.›</a:t>
+            </a:fld>
+            <a:endParaRPr lang="LID4096"/>
+          </a:p>
+        </p:txBody>
+      </p:sp>
+    </p:spTree>
+    <p:extLst>
+      <p:ext uri="{BB962C8B-B14F-4D97-AF65-F5344CB8AC3E}">
+        <p14:creationId xmlns:p14="http://schemas.microsoft.com/office/powerpoint/2010/main" val="1877207437"/>
+      </p:ext>
+    </p:extLst>
+  </p:cSld>
+  <p:clrMap bg1="lt1" tx1="dk1" bg2="lt2" tx2="dk2" accent1="accent1" accent2="accent2" accent3="accent3" accent4="accent4" accent5="accent5" accent6="accent6" hlink="hlink" folHlink="folHlink"/>
+  <p:notesStyle>
+    <a:lvl1pPr marL="0" algn="l" defTabSz="914400" rtl="0" eaLnBrk="1" latinLnBrk="0" hangingPunct="1">
+      <a:defRPr sz="1200" kern="1200">
+        <a:solidFill>
+          <a:schemeClr val="tx1"/>
+        </a:solidFill>
+        <a:latin typeface="+mn-lt"/>
+        <a:ea typeface="+mn-ea"/>
+        <a:cs typeface="+mn-cs"/>
+      </a:defRPr>
+    </a:lvl1pPr>
+    <a:lvl2pPr marL="457200" algn="l" defTabSz="914400" rtl="0" eaLnBrk="1" latinLnBrk="0" hangingPunct="1">
+      <a:defRPr sz="1200" kern="1200">
+        <a:solidFill>
+          <a:schemeClr val="tx1"/>
+        </a:solidFill>
+        <a:latin typeface="+mn-lt"/>
+        <a:ea typeface="+mn-ea"/>
+        <a:cs typeface="+mn-cs"/>
+      </a:defRPr>
+    </a:lvl2pPr>
+    <a:lvl3pPr marL="914400" algn="l" defTabSz="914400" rtl="0" eaLnBrk="1" latinLnBrk="0" hangingPunct="1">
+      <a:defRPr sz="1200" kern="1200">
+        <a:solidFill>
+          <a:schemeClr val="tx1"/>
+        </a:solidFill>
+        <a:latin typeface="+mn-lt"/>
+        <a:ea typeface="+mn-ea"/>
+        <a:cs typeface="+mn-cs"/>
+      </a:defRPr>
+    </a:lvl3pPr>
+    <a:lvl4pPr marL="1371600" algn="l" defTabSz="914400" rtl="0" eaLnBrk="1" latinLnBrk="0" hangingPunct="1">
+      <a:defRPr sz="1200" kern="1200">
+        <a:solidFill>
+          <a:schemeClr val="tx1"/>
+        </a:solidFill>
+        <a:latin typeface="+mn-lt"/>
+        <a:ea typeface="+mn-ea"/>
+        <a:cs typeface="+mn-cs"/>
+      </a:defRPr>
+    </a:lvl4pPr>
+    <a:lvl5pPr marL="1828800" algn="l" defTabSz="914400" rtl="0" eaLnBrk="1" latinLnBrk="0" hangingPunct="1">
+      <a:defRPr sz="1200" kern="1200">
+        <a:solidFill>
+          <a:schemeClr val="tx1"/>
+        </a:solidFill>
+        <a:latin typeface="+mn-lt"/>
+        <a:ea typeface="+mn-ea"/>
+        <a:cs typeface="+mn-cs"/>
+      </a:defRPr>
+    </a:lvl5pPr>
+    <a:lvl6pPr marL="2286000" algn="l" defTabSz="914400" rtl="0" eaLnBrk="1" latinLnBrk="0" hangingPunct="1">
+      <a:defRPr sz="1200" kern="1200">
+        <a:solidFill>
+          <a:schemeClr val="tx1"/>
+        </a:solidFill>
+        <a:latin typeface="+mn-lt"/>
+        <a:ea typeface="+mn-ea"/>
+        <a:cs typeface="+mn-cs"/>
+      </a:defRPr>
+    </a:lvl6pPr>
+    <a:lvl7pPr marL="2743200" algn="l" defTabSz="914400" rtl="0" eaLnBrk="1" latinLnBrk="0" hangingPunct="1">
+      <a:defRPr sz="1200" kern="1200">
+        <a:solidFill>
+          <a:schemeClr val="tx1"/>
+        </a:solidFill>
+        <a:latin typeface="+mn-lt"/>
+        <a:ea typeface="+mn-ea"/>
+        <a:cs typeface="+mn-cs"/>
+      </a:defRPr>
+    </a:lvl7pPr>
+    <a:lvl8pPr marL="3200400" algn="l" defTabSz="914400" rtl="0" eaLnBrk="1" latinLnBrk="0" hangingPunct="1">
+      <a:defRPr sz="1200" kern="1200">
+        <a:solidFill>
+          <a:schemeClr val="tx1"/>
+        </a:solidFill>
+        <a:latin typeface="+mn-lt"/>
+        <a:ea typeface="+mn-ea"/>
+        <a:cs typeface="+mn-cs"/>
+      </a:defRPr>
+    </a:lvl8pPr>
+    <a:lvl9pPr marL="3657600" algn="l" defTabSz="914400" rtl="0" eaLnBrk="1" latinLnBrk="0" hangingPunct="1">
+      <a:defRPr sz="1200" kern="1200">
+        <a:solidFill>
+          <a:schemeClr val="tx1"/>
+        </a:solidFill>
+        <a:latin typeface="+mn-lt"/>
+        <a:ea typeface="+mn-ea"/>
+        <a:cs typeface="+mn-cs"/>
+      </a:defRPr>
+    </a:lvl9pPr>
+  </p:notesStyle>
+</p:notesMaster>
+</file>
+
+<file path=ppt/notesSlides/notesSlide1.xml><?xml version="1.0" encoding="utf-8"?>
+<p:notes xmlns:a="http://schemas.openxmlformats.org/drawingml/2006/main" xmlns:r="http://schemas.openxmlformats.org/officeDocument/2006/relationships" xmlns:p="http://schemas.openxmlformats.org/presentationml/2006/main">
+  <p:cSld>
+    <p:spTree>
+      <p:nvGrpSpPr>
+        <p:cNvPr id="1" name=""/>
+        <p:cNvGrpSpPr/>
+        <p:nvPr/>
+      </p:nvGrpSpPr>
+      <p:grpSpPr>
+        <a:xfrm>
+          <a:off x="0" y="0"/>
+          <a:ext cx="0" cy="0"/>
+          <a:chOff x="0" y="0"/>
+          <a:chExt cx="0" cy="0"/>
+        </a:xfrm>
+      </p:grpSpPr>
+      <p:sp>
+        <p:nvSpPr>
+          <p:cNvPr id="2" name="Folienbildplatzhalter 1"/>
+          <p:cNvSpPr>
+            <a:spLocks noGrp="1" noRot="1" noChangeAspect="1"/>
+          </p:cNvSpPr>
+          <p:nvPr>
+            <p:ph type="sldImg"/>
+          </p:nvPr>
+        </p:nvSpPr>
+        <p:spPr/>
+      </p:sp>
+      <p:sp>
+        <p:nvSpPr>
+          <p:cNvPr id="3" name="Notizenplatzhalter 2"/>
+          <p:cNvSpPr>
+            <a:spLocks noGrp="1"/>
+          </p:cNvSpPr>
+          <p:nvPr>
+            <p:ph type="body" idx="1"/>
+          </p:nvPr>
+        </p:nvSpPr>
+        <p:spPr/>
+        <p:txBody>
+          <a:bodyPr/>
+          <a:lstStyle/>
+          <a:p>
+            <a:r>
+              <a:rPr lang="de-DE" dirty="0"/>
+              <a:t>Development </a:t>
+            </a:r>
+            <a:r>
+              <a:rPr lang="de-DE" dirty="0" err="1"/>
+              <a:t>of</a:t>
+            </a:r>
+            <a:r>
+              <a:rPr lang="de-DE" dirty="0"/>
+              <a:t> </a:t>
+            </a:r>
+            <a:r>
+              <a:rPr lang="de-DE" dirty="0" err="1"/>
+              <a:t>tournaments</a:t>
+            </a:r>
+            <a:r>
+              <a:rPr lang="de-DE" dirty="0"/>
+              <a:t>:</a:t>
+            </a:r>
+          </a:p>
+          <a:p>
+            <a:r>
+              <a:rPr lang="en-GB" dirty="0"/>
+              <a:t>How do the (average) winning scorings of tournaments/matches vary over the years?</a:t>
+            </a:r>
+            <a:endParaRPr lang="de-DE" dirty="0"/>
+          </a:p>
+          <a:p>
+            <a:endParaRPr lang="de-DE" dirty="0"/>
+          </a:p>
+          <a:p>
+            <a:r>
+              <a:rPr lang="de-DE" dirty="0" err="1"/>
+              <a:t>Strategies</a:t>
+            </a:r>
+            <a:r>
+              <a:rPr lang="de-DE" dirty="0"/>
+              <a:t> and </a:t>
+            </a:r>
+            <a:r>
+              <a:rPr lang="de-DE" dirty="0" err="1"/>
+              <a:t>tactics</a:t>
+            </a:r>
+            <a:r>
+              <a:rPr lang="de-DE" dirty="0"/>
+              <a:t>:</a:t>
+            </a:r>
+          </a:p>
+          <a:p>
+            <a:r>
+              <a:rPr lang="en-GB" dirty="0"/>
+              <a:t>In which countries are tournaments held and how does it influence singular participants if at all?</a:t>
+            </a:r>
+            <a:endParaRPr lang="de-DE" dirty="0"/>
+          </a:p>
+          <a:p>
+            <a:endParaRPr lang="de-DE" dirty="0"/>
+          </a:p>
+          <a:p>
+            <a:r>
+              <a:rPr lang="de-DE" dirty="0"/>
+              <a:t>Players:</a:t>
+            </a:r>
+          </a:p>
+          <a:p>
+            <a:r>
+              <a:rPr lang="en-GB" dirty="0"/>
+              <a:t>How do the rankings vary over age, nationality and left/right-handed people of participants?</a:t>
+            </a:r>
+          </a:p>
+        </p:txBody>
+      </p:sp>
+      <p:sp>
+        <p:nvSpPr>
+          <p:cNvPr id="4" name="Foliennummernplatzhalter 3"/>
+          <p:cNvSpPr>
+            <a:spLocks noGrp="1"/>
+          </p:cNvSpPr>
+          <p:nvPr>
+            <p:ph type="sldNum" sz="quarter" idx="5"/>
+          </p:nvPr>
+        </p:nvSpPr>
+        <p:spPr/>
+        <p:txBody>
+          <a:bodyPr/>
+          <a:lstStyle/>
+          <a:p>
+            <a:fld id="{86C3E2B2-983C-4189-A672-243DAEAB4F17}" type="slidenum">
+              <a:rPr lang="LID4096" smtClean="0"/>
+              <a:t>2</a:t>
+            </a:fld>
+            <a:endParaRPr lang="LID4096"/>
+          </a:p>
+        </p:txBody>
+      </p:sp>
+    </p:spTree>
+    <p:extLst>
+      <p:ext uri="{BB962C8B-B14F-4D97-AF65-F5344CB8AC3E}">
+        <p14:creationId xmlns:p14="http://schemas.microsoft.com/office/powerpoint/2010/main" val="775207881"/>
+      </p:ext>
+    </p:extLst>
+  </p:cSld>
+  <p:clrMapOvr>
+    <a:masterClrMapping/>
+  </p:clrMapOvr>
+</p:notes>
+</file>
+
+<file path=ppt/notesSlides/notesSlide2.xml><?xml version="1.0" encoding="utf-8"?>
+<p:notes xmlns:a="http://schemas.openxmlformats.org/drawingml/2006/main" xmlns:r="http://schemas.openxmlformats.org/officeDocument/2006/relationships" xmlns:p="http://schemas.openxmlformats.org/presentationml/2006/main">
+  <p:cSld>
+    <p:spTree>
+      <p:nvGrpSpPr>
+        <p:cNvPr id="1" name=""/>
+        <p:cNvGrpSpPr/>
+        <p:nvPr/>
+      </p:nvGrpSpPr>
+      <p:grpSpPr>
+        <a:xfrm>
+          <a:off x="0" y="0"/>
+          <a:ext cx="0" cy="0"/>
+          <a:chOff x="0" y="0"/>
+          <a:chExt cx="0" cy="0"/>
+        </a:xfrm>
+      </p:grpSpPr>
+      <p:sp>
+        <p:nvSpPr>
+          <p:cNvPr id="2" name="Folienbildplatzhalter 1"/>
+          <p:cNvSpPr>
+            <a:spLocks noGrp="1" noRot="1" noChangeAspect="1"/>
+          </p:cNvSpPr>
+          <p:nvPr>
+            <p:ph type="sldImg"/>
+          </p:nvPr>
+        </p:nvSpPr>
+        <p:spPr/>
+      </p:sp>
+      <p:sp>
+        <p:nvSpPr>
+          <p:cNvPr id="3" name="Notizenplatzhalter 2"/>
+          <p:cNvSpPr>
+            <a:spLocks noGrp="1"/>
+          </p:cNvSpPr>
+          <p:nvPr>
+            <p:ph type="body" idx="1"/>
+          </p:nvPr>
+        </p:nvSpPr>
+        <p:spPr/>
+        <p:txBody>
+          <a:bodyPr/>
+          <a:lstStyle/>
+          <a:p>
+            <a:endParaRPr lang="LID4096" dirty="0"/>
+          </a:p>
+        </p:txBody>
+      </p:sp>
+      <p:sp>
+        <p:nvSpPr>
+          <p:cNvPr id="4" name="Foliennummernplatzhalter 3"/>
+          <p:cNvSpPr>
+            <a:spLocks noGrp="1"/>
+          </p:cNvSpPr>
+          <p:nvPr>
+            <p:ph type="sldNum" sz="quarter" idx="5"/>
+          </p:nvPr>
+        </p:nvSpPr>
+        <p:spPr/>
+        <p:txBody>
+          <a:bodyPr/>
+          <a:lstStyle/>
+          <a:p>
+            <a:fld id="{86C3E2B2-983C-4189-A672-243DAEAB4F17}" type="slidenum">
+              <a:rPr lang="LID4096" smtClean="0"/>
+              <a:t>3</a:t>
+            </a:fld>
+            <a:endParaRPr lang="LID4096"/>
+          </a:p>
+        </p:txBody>
+      </p:sp>
+    </p:spTree>
+    <p:extLst>
+      <p:ext uri="{BB962C8B-B14F-4D97-AF65-F5344CB8AC3E}">
+        <p14:creationId xmlns:p14="http://schemas.microsoft.com/office/powerpoint/2010/main" val="3450452236"/>
+      </p:ext>
+    </p:extLst>
+  </p:cSld>
+  <p:clrMapOvr>
+    <a:masterClrMapping/>
+  </p:clrMapOvr>
+</p:notes>
 </file>
 
 <file path=ppt/slideLayouts/slideLayout1.xml><?xml version="1.0" encoding="utf-8"?>
@@ -252,7 +874,7 @@
           <a:p>
             <a:fld id="{D3EB3054-B75A-4BD7-8B3E-8DC0F614FAF3}" type="datetimeFigureOut">
               <a:rPr lang="de-DE" smtClean="0"/>
-              <a:t>04.03.2025</a:t>
+              <a:t>14.03.2025</a:t>
             </a:fld>
             <a:endParaRPr lang="de-DE"/>
           </a:p>
@@ -420,7 +1042,7 @@
           <a:p>
             <a:fld id="{D3EB3054-B75A-4BD7-8B3E-8DC0F614FAF3}" type="datetimeFigureOut">
               <a:rPr lang="de-DE" smtClean="0"/>
-              <a:t>04.03.2025</a:t>
+              <a:t>14.03.2025</a:t>
             </a:fld>
             <a:endParaRPr lang="de-DE"/>
           </a:p>
@@ -598,7 +1220,7 @@
           <a:p>
             <a:fld id="{D3EB3054-B75A-4BD7-8B3E-8DC0F614FAF3}" type="datetimeFigureOut">
               <a:rPr lang="de-DE" smtClean="0"/>
-              <a:t>04.03.2025</a:t>
+              <a:t>14.03.2025</a:t>
             </a:fld>
             <a:endParaRPr lang="de-DE"/>
           </a:p>
@@ -766,7 +1388,7 @@
           <a:p>
             <a:fld id="{D3EB3054-B75A-4BD7-8B3E-8DC0F614FAF3}" type="datetimeFigureOut">
               <a:rPr lang="de-DE" smtClean="0"/>
-              <a:t>04.03.2025</a:t>
+              <a:t>14.03.2025</a:t>
             </a:fld>
             <a:endParaRPr lang="de-DE"/>
           </a:p>
@@ -1011,7 +1633,7 @@
           <a:p>
             <a:fld id="{D3EB3054-B75A-4BD7-8B3E-8DC0F614FAF3}" type="datetimeFigureOut">
               <a:rPr lang="de-DE" smtClean="0"/>
-              <a:t>04.03.2025</a:t>
+              <a:t>14.03.2025</a:t>
             </a:fld>
             <a:endParaRPr lang="de-DE"/>
           </a:p>
@@ -1240,7 +1862,7 @@
           <a:p>
             <a:fld id="{D3EB3054-B75A-4BD7-8B3E-8DC0F614FAF3}" type="datetimeFigureOut">
               <a:rPr lang="de-DE" smtClean="0"/>
-              <a:t>04.03.2025</a:t>
+              <a:t>14.03.2025</a:t>
             </a:fld>
             <a:endParaRPr lang="de-DE"/>
           </a:p>
@@ -1604,7 +2226,7 @@
           <a:p>
             <a:fld id="{D3EB3054-B75A-4BD7-8B3E-8DC0F614FAF3}" type="datetimeFigureOut">
               <a:rPr lang="de-DE" smtClean="0"/>
-              <a:t>04.03.2025</a:t>
+              <a:t>14.03.2025</a:t>
             </a:fld>
             <a:endParaRPr lang="de-DE"/>
           </a:p>
@@ -1721,7 +2343,7 @@
           <a:p>
             <a:fld id="{D3EB3054-B75A-4BD7-8B3E-8DC0F614FAF3}" type="datetimeFigureOut">
               <a:rPr lang="de-DE" smtClean="0"/>
-              <a:t>04.03.2025</a:t>
+              <a:t>14.03.2025</a:t>
             </a:fld>
             <a:endParaRPr lang="de-DE"/>
           </a:p>
@@ -1816,7 +2438,7 @@
           <a:p>
             <a:fld id="{D3EB3054-B75A-4BD7-8B3E-8DC0F614FAF3}" type="datetimeFigureOut">
               <a:rPr lang="de-DE" smtClean="0"/>
-              <a:t>04.03.2025</a:t>
+              <a:t>14.03.2025</a:t>
             </a:fld>
             <a:endParaRPr lang="de-DE"/>
           </a:p>
@@ -2091,7 +2713,7 @@
           <a:p>
             <a:fld id="{D3EB3054-B75A-4BD7-8B3E-8DC0F614FAF3}" type="datetimeFigureOut">
               <a:rPr lang="de-DE" smtClean="0"/>
-              <a:t>04.03.2025</a:t>
+              <a:t>14.03.2025</a:t>
             </a:fld>
             <a:endParaRPr lang="de-DE"/>
           </a:p>
@@ -2343,7 +2965,7 @@
           <a:p>
             <a:fld id="{D3EB3054-B75A-4BD7-8B3E-8DC0F614FAF3}" type="datetimeFigureOut">
               <a:rPr lang="de-DE" smtClean="0"/>
-              <a:t>04.03.2025</a:t>
+              <a:t>14.03.2025</a:t>
             </a:fld>
             <a:endParaRPr lang="de-DE"/>
           </a:p>
@@ -2554,7 +3176,7 @@
           <a:p>
             <a:fld id="{D3EB3054-B75A-4BD7-8B3E-8DC0F614FAF3}" type="datetimeFigureOut">
               <a:rPr lang="de-DE" smtClean="0"/>
-              <a:t>04.03.2025</a:t>
+              <a:t>14.03.2025</a:t>
             </a:fld>
             <a:endParaRPr lang="de-DE"/>
           </a:p>
@@ -4168,34 +4790,13 @@
           <a:p>
             <a:pPr algn="r"/>
             <a:r>
-              <a:rPr lang="de-DE" sz="4000" dirty="0" err="1">
-                <a:solidFill>
-                  <a:srgbClr val="FFFFFF"/>
-                </a:solidFill>
-              </a:rPr>
-              <a:t>problems</a:t>
-            </a:r>
-            <a:r>
               <a:rPr lang="de-DE" sz="4000" dirty="0">
                 <a:solidFill>
                   <a:srgbClr val="FFFFFF"/>
                 </a:solidFill>
               </a:rPr>
-              <a:t> </a:t>
-            </a:r>
-            <a:r>
-              <a:rPr lang="de-DE" sz="4000" dirty="0" err="1">
-                <a:solidFill>
-                  <a:srgbClr val="FFFFFF"/>
-                </a:solidFill>
-              </a:rPr>
-              <a:t>solved</a:t>
-            </a:r>
-            <a:endParaRPr lang="de-DE" sz="4000" dirty="0">
-              <a:solidFill>
-                <a:srgbClr val="FFFFFF"/>
-              </a:solidFill>
-            </a:endParaRPr>
+              <a:t>Darts</a:t>
+            </a:r>
           </a:p>
         </p:txBody>
       </p:sp>
@@ -4227,22 +4828,50 @@
           </a:bodyPr>
           <a:lstStyle/>
           <a:p>
-            <a:r>
-              <a:rPr lang="de-DE" sz="2000" dirty="0" err="1"/>
-              <a:t>Bla</a:t>
-            </a:r>
-          </a:p>
-          <a:p>
-            <a:r>
-              <a:rPr lang="de-DE" sz="2000" err="1"/>
-              <a:t>Bli</a:t>
-            </a:r>
-            <a:endParaRPr lang="de-DE" sz="2000" dirty="0" err="1"/>
-          </a:p>
-          <a:p>
-            <a:r>
-              <a:rPr lang="de-DE" sz="2000" dirty="0"/>
-              <a:t>Blubb</a:t>
+            <a:pPr marL="0" indent="0">
+              <a:buNone/>
+            </a:pPr>
+            <a:r>
+              <a:rPr lang="en-GB" sz="2000" noProof="0" dirty="0"/>
+              <a:t>Data and RQ‘s on subtopics:</a:t>
+            </a:r>
+          </a:p>
+          <a:p>
+            <a:r>
+              <a:rPr lang="en-GB" sz="2000" dirty="0"/>
+              <a:t>D</a:t>
+            </a:r>
+            <a:r>
+              <a:rPr lang="en-GB" sz="2000" noProof="0" dirty="0" err="1"/>
+              <a:t>evelopment</a:t>
+            </a:r>
+            <a:r>
+              <a:rPr lang="en-GB" sz="2000" noProof="0" dirty="0"/>
+              <a:t> of tournaments</a:t>
+            </a:r>
+          </a:p>
+          <a:p>
+            <a:r>
+              <a:rPr lang="en-GB" sz="2000" dirty="0"/>
+              <a:t>S</a:t>
+            </a:r>
+            <a:r>
+              <a:rPr lang="en-GB" sz="2000" noProof="0" dirty="0" err="1"/>
+              <a:t>trategies</a:t>
+            </a:r>
+            <a:r>
+              <a:rPr lang="en-GB" sz="2000" noProof="0" dirty="0"/>
+              <a:t> and tactics</a:t>
+            </a:r>
+          </a:p>
+          <a:p>
+            <a:r>
+              <a:rPr lang="en-GB" sz="2000" dirty="0"/>
+              <a:t>P</a:t>
+            </a:r>
+            <a:r>
+              <a:rPr lang="en-GB" sz="2000" noProof="0" dirty="0"/>
+              <a:t>layers</a:t>
             </a:r>
           </a:p>
         </p:txBody>
@@ -4257,10 +4886,1901 @@
   <p:clrMapOvr>
     <a:masterClrMapping/>
   </p:clrMapOvr>
+  <p:extLst>
+    <p:ext uri="{6950BFC3-D8DA-4A85-94F7-54DA5524770B}">
+      <p188:commentRel xmlns:p188="http://schemas.microsoft.com/office/powerpoint/2018/8/main" r:id="rId3"/>
+    </p:ext>
+  </p:extLst>
 </p:sld>
 </file>
 
 <file path=ppt/slides/slide3.xml><?xml version="1.0" encoding="utf-8"?>
+<p:sld xmlns:a="http://schemas.openxmlformats.org/drawingml/2006/main" xmlns:r="http://schemas.openxmlformats.org/officeDocument/2006/relationships" xmlns:p="http://schemas.openxmlformats.org/presentationml/2006/main">
+  <p:cSld>
+    <p:bg>
+      <p:bgPr>
+        <a:solidFill>
+          <a:schemeClr val="bg1"/>
+        </a:solidFill>
+        <a:effectLst/>
+      </p:bgPr>
+    </p:bg>
+    <p:spTree>
+      <p:nvGrpSpPr>
+        <p:cNvPr id="1" name="">
+          <a:extLst>
+            <a:ext uri="{FF2B5EF4-FFF2-40B4-BE49-F238E27FC236}">
+              <a16:creationId xmlns:a16="http://schemas.microsoft.com/office/drawing/2014/main" id="{3163D215-664E-A23A-A61E-39DF7415F4EF}"/>
+            </a:ext>
+          </a:extLst>
+        </p:cNvPr>
+        <p:cNvGrpSpPr/>
+        <p:nvPr/>
+      </p:nvGrpSpPr>
+      <p:grpSpPr>
+        <a:xfrm>
+          <a:off x="0" y="0"/>
+          <a:ext cx="0" cy="0"/>
+          <a:chOff x="0" y="0"/>
+          <a:chExt cx="0" cy="0"/>
+        </a:xfrm>
+      </p:grpSpPr>
+      <p:sp useBgFill="1">
+        <p:nvSpPr>
+          <p:cNvPr id="8" name="Rectangle 7">
+            <a:extLst>
+              <a:ext uri="{FF2B5EF4-FFF2-40B4-BE49-F238E27FC236}">
+                <a16:creationId xmlns:a16="http://schemas.microsoft.com/office/drawing/2014/main" id="{0F3E4077-1F82-C647-AE0D-FD73D3FD7380}"/>
+              </a:ext>
+              <a:ext uri="{C183D7F6-B498-43B3-948B-1728B52AA6E4}">
+                <adec:decorative xmlns:adec="http://schemas.microsoft.com/office/drawing/2017/decorative" val="1"/>
+              </a:ext>
+            </a:extLst>
+          </p:cNvPr>
+          <p:cNvSpPr>
+            <a:spLocks noGrp="1" noRot="1" noChangeAspect="1" noMove="1" noResize="1" noEditPoints="1" noAdjustHandles="1" noChangeArrowheads="1" noChangeShapeType="1" noTextEdit="1"/>
+          </p:cNvSpPr>
+          <p:nvPr>
+            <p:extLst>
+              <p:ext uri="{386F3935-93C4-4BCD-93E2-E3B085C9AB24}">
+                <p16:designElem xmlns:p16="http://schemas.microsoft.com/office/powerpoint/2015/main" val="1"/>
+              </p:ext>
+            </p:extLst>
+          </p:nvPr>
+        </p:nvSpPr>
+        <p:spPr>
+          <a:xfrm>
+            <a:off x="0" y="0"/>
+            <a:ext cx="12192000" cy="6858000"/>
+          </a:xfrm>
+          <a:prstGeom prst="rect">
+            <a:avLst/>
+          </a:prstGeom>
+          <a:ln w="12700" cap="flat" cmpd="sng" algn="ctr">
+            <a:noFill/>
+            <a:prstDash val="solid"/>
+            <a:miter lim="800000"/>
+          </a:ln>
+          <a:effectLst/>
+          <a:extLst>
+            <a:ext uri="{91240B29-F687-4F45-9708-019B960494DF}">
+              <a14:hiddenLine xmlns:a14="http://schemas.microsoft.com/office/drawing/2010/main" w="12700" cap="flat" cmpd="sng" algn="ctr">
+                <a:solidFill>
+                  <a:schemeClr val="accent1">
+                    <a:shade val="50000"/>
+                  </a:schemeClr>
+                </a:solidFill>
+                <a:prstDash val="solid"/>
+                <a:miter lim="800000"/>
+              </a14:hiddenLine>
+            </a:ext>
+          </a:extLst>
+        </p:spPr>
+        <p:style>
+          <a:lnRef idx="2">
+            <a:schemeClr val="accent1">
+              <a:shade val="50000"/>
+            </a:schemeClr>
+          </a:lnRef>
+          <a:fillRef idx="1">
+            <a:schemeClr val="accent1"/>
+          </a:fillRef>
+          <a:effectRef idx="0">
+            <a:schemeClr val="accent1"/>
+          </a:effectRef>
+          <a:fontRef idx="minor">
+            <a:schemeClr val="lt1"/>
+          </a:fontRef>
+        </p:style>
+        <p:txBody>
+          <a:bodyPr rtlCol="0" anchor="ctr"/>
+          <a:lstStyle/>
+          <a:p>
+            <a:pPr algn="ctr"/>
+            <a:endParaRPr lang="en-US"/>
+          </a:p>
+        </p:txBody>
+      </p:sp>
+      <p:sp>
+        <p:nvSpPr>
+          <p:cNvPr id="10" name="Rectangle 9">
+            <a:extLst>
+              <a:ext uri="{FF2B5EF4-FFF2-40B4-BE49-F238E27FC236}">
+                <a16:creationId xmlns:a16="http://schemas.microsoft.com/office/drawing/2014/main" id="{FDC4AB04-1BCA-6EA5-4BEF-A4C702D1054D}"/>
+              </a:ext>
+              <a:ext uri="{C183D7F6-B498-43B3-948B-1728B52AA6E4}">
+                <adec:decorative xmlns:adec="http://schemas.microsoft.com/office/drawing/2017/decorative" val="1"/>
+              </a:ext>
+            </a:extLst>
+          </p:cNvPr>
+          <p:cNvSpPr>
+            <a:spLocks noGrp="1" noRot="1" noChangeAspect="1" noMove="1" noResize="1" noEditPoints="1" noAdjustHandles="1" noChangeArrowheads="1" noChangeShapeType="1" noTextEdit="1"/>
+          </p:cNvSpPr>
+          <p:nvPr>
+            <p:extLst>
+              <p:ext uri="{386F3935-93C4-4BCD-93E2-E3B085C9AB24}">
+                <p16:designElem xmlns:p16="http://schemas.microsoft.com/office/powerpoint/2015/main" val="1"/>
+              </p:ext>
+            </p:extLst>
+          </p:nvPr>
+        </p:nvSpPr>
+        <p:spPr>
+          <a:xfrm rot="5400000" flipH="1">
+            <a:off x="-638515" y="639280"/>
+            <a:ext cx="6858000" cy="5579440"/>
+          </a:xfrm>
+          <a:prstGeom prst="rect">
+            <a:avLst/>
+          </a:prstGeom>
+          <a:gradFill>
+            <a:gsLst>
+              <a:gs pos="8000">
+                <a:srgbClr val="000000"/>
+              </a:gs>
+              <a:gs pos="100000">
+                <a:schemeClr val="accent1">
+                  <a:lumMod val="75000"/>
+                </a:schemeClr>
+              </a:gs>
+            </a:gsLst>
+            <a:lin ang="3000000" scaled="0"/>
+          </a:gradFill>
+          <a:ln>
+            <a:noFill/>
+          </a:ln>
+        </p:spPr>
+        <p:style>
+          <a:lnRef idx="2">
+            <a:schemeClr val="accent1">
+              <a:shade val="50000"/>
+            </a:schemeClr>
+          </a:lnRef>
+          <a:fillRef idx="1">
+            <a:schemeClr val="accent1"/>
+          </a:fillRef>
+          <a:effectRef idx="0">
+            <a:schemeClr val="accent1"/>
+          </a:effectRef>
+          <a:fontRef idx="minor">
+            <a:schemeClr val="lt1"/>
+          </a:fontRef>
+        </p:style>
+        <p:txBody>
+          <a:bodyPr rtlCol="0" anchor="ctr"/>
+          <a:lstStyle/>
+          <a:p>
+            <a:pPr algn="ctr"/>
+            <a:endParaRPr lang="en-US"/>
+          </a:p>
+        </p:txBody>
+      </p:sp>
+      <p:sp>
+        <p:nvSpPr>
+          <p:cNvPr id="12" name="Rectangle 11">
+            <a:extLst>
+              <a:ext uri="{FF2B5EF4-FFF2-40B4-BE49-F238E27FC236}">
+                <a16:creationId xmlns:a16="http://schemas.microsoft.com/office/drawing/2014/main" id="{9B290423-DD6D-1196-D319-DF838EDE32C1}"/>
+              </a:ext>
+              <a:ext uri="{C183D7F6-B498-43B3-948B-1728B52AA6E4}">
+                <adec:decorative xmlns:adec="http://schemas.microsoft.com/office/drawing/2017/decorative" val="1"/>
+              </a:ext>
+            </a:extLst>
+          </p:cNvPr>
+          <p:cNvSpPr>
+            <a:spLocks noGrp="1" noRot="1" noChangeAspect="1" noMove="1" noResize="1" noEditPoints="1" noAdjustHandles="1" noChangeArrowheads="1" noChangeShapeType="1" noTextEdit="1"/>
+          </p:cNvSpPr>
+          <p:nvPr>
+            <p:extLst>
+              <p:ext uri="{386F3935-93C4-4BCD-93E2-E3B085C9AB24}">
+                <p16:designElem xmlns:p16="http://schemas.microsoft.com/office/powerpoint/2015/main" val="1"/>
+              </p:ext>
+            </p:extLst>
+          </p:nvPr>
+        </p:nvSpPr>
+        <p:spPr>
+          <a:xfrm rot="5400000" flipH="1">
+            <a:off x="-393206" y="395206"/>
+            <a:ext cx="6346209" cy="5576080"/>
+          </a:xfrm>
+          <a:prstGeom prst="rect">
+            <a:avLst/>
+          </a:prstGeom>
+          <a:gradFill>
+            <a:gsLst>
+              <a:gs pos="0">
+                <a:srgbClr val="000000">
+                  <a:alpha val="0"/>
+                </a:srgbClr>
+              </a:gs>
+              <a:gs pos="99000">
+                <a:schemeClr val="accent1">
+                  <a:alpha val="0"/>
+                </a:schemeClr>
+              </a:gs>
+            </a:gsLst>
+            <a:lin ang="1800000" scaled="0"/>
+          </a:gradFill>
+          <a:ln>
+            <a:noFill/>
+          </a:ln>
+        </p:spPr>
+        <p:style>
+          <a:lnRef idx="2">
+            <a:schemeClr val="accent1">
+              <a:shade val="50000"/>
+            </a:schemeClr>
+          </a:lnRef>
+          <a:fillRef idx="1">
+            <a:schemeClr val="accent1"/>
+          </a:fillRef>
+          <a:effectRef idx="0">
+            <a:schemeClr val="accent1"/>
+          </a:effectRef>
+          <a:fontRef idx="minor">
+            <a:schemeClr val="lt1"/>
+          </a:fontRef>
+        </p:style>
+        <p:txBody>
+          <a:bodyPr rtlCol="0" anchor="ctr"/>
+          <a:lstStyle/>
+          <a:p>
+            <a:pPr algn="ctr"/>
+            <a:endParaRPr lang="en-US"/>
+          </a:p>
+        </p:txBody>
+      </p:sp>
+      <p:sp>
+        <p:nvSpPr>
+          <p:cNvPr id="14" name="Rectangle 13">
+            <a:extLst>
+              <a:ext uri="{FF2B5EF4-FFF2-40B4-BE49-F238E27FC236}">
+                <a16:creationId xmlns:a16="http://schemas.microsoft.com/office/drawing/2014/main" id="{08E1EEA6-67D8-05A4-C851-6520C95C9693}"/>
+              </a:ext>
+              <a:ext uri="{C183D7F6-B498-43B3-948B-1728B52AA6E4}">
+                <adec:decorative xmlns:adec="http://schemas.microsoft.com/office/drawing/2017/decorative" val="1"/>
+              </a:ext>
+            </a:extLst>
+          </p:cNvPr>
+          <p:cNvSpPr>
+            <a:spLocks noGrp="1" noRot="1" noChangeAspect="1" noMove="1" noResize="1" noEditPoints="1" noAdjustHandles="1" noChangeArrowheads="1" noChangeShapeType="1" noTextEdit="1"/>
+          </p:cNvSpPr>
+          <p:nvPr>
+            <p:extLst>
+              <p:ext uri="{386F3935-93C4-4BCD-93E2-E3B085C9AB24}">
+                <p16:designElem xmlns:p16="http://schemas.microsoft.com/office/powerpoint/2015/main" val="1"/>
+              </p:ext>
+            </p:extLst>
+          </p:nvPr>
+        </p:nvSpPr>
+        <p:spPr>
+          <a:xfrm rot="5400000" flipH="1">
+            <a:off x="1528907" y="2818967"/>
+            <a:ext cx="2501979" cy="5576080"/>
+          </a:xfrm>
+          <a:prstGeom prst="rect">
+            <a:avLst/>
+          </a:prstGeom>
+          <a:gradFill>
+            <a:gsLst>
+              <a:gs pos="2000">
+                <a:schemeClr val="accent1">
+                  <a:alpha val="29000"/>
+                </a:schemeClr>
+              </a:gs>
+              <a:gs pos="100000">
+                <a:srgbClr val="000000">
+                  <a:alpha val="30000"/>
+                </a:srgbClr>
+              </a:gs>
+            </a:gsLst>
+            <a:lin ang="7800000" scaled="0"/>
+          </a:gradFill>
+          <a:ln>
+            <a:noFill/>
+          </a:ln>
+        </p:spPr>
+        <p:style>
+          <a:lnRef idx="2">
+            <a:schemeClr val="accent1">
+              <a:shade val="50000"/>
+            </a:schemeClr>
+          </a:lnRef>
+          <a:fillRef idx="1">
+            <a:schemeClr val="accent1"/>
+          </a:fillRef>
+          <a:effectRef idx="0">
+            <a:schemeClr val="accent1"/>
+          </a:effectRef>
+          <a:fontRef idx="minor">
+            <a:schemeClr val="lt1"/>
+          </a:fontRef>
+        </p:style>
+        <p:txBody>
+          <a:bodyPr rtlCol="0" anchor="ctr"/>
+          <a:lstStyle/>
+          <a:p>
+            <a:pPr algn="ctr"/>
+            <a:endParaRPr lang="en-US" dirty="0"/>
+          </a:p>
+        </p:txBody>
+      </p:sp>
+      <p:sp>
+        <p:nvSpPr>
+          <p:cNvPr id="16" name="Rectangle 15">
+            <a:extLst>
+              <a:ext uri="{FF2B5EF4-FFF2-40B4-BE49-F238E27FC236}">
+                <a16:creationId xmlns:a16="http://schemas.microsoft.com/office/drawing/2014/main" id="{A5C1799E-CCFF-9AAD-6983-BBF4CC9C914F}"/>
+              </a:ext>
+              <a:ext uri="{C183D7F6-B498-43B3-948B-1728B52AA6E4}">
+                <adec:decorative xmlns:adec="http://schemas.microsoft.com/office/drawing/2017/decorative" val="1"/>
+              </a:ext>
+            </a:extLst>
+          </p:cNvPr>
+          <p:cNvSpPr>
+            <a:spLocks noGrp="1" noRot="1" noChangeAspect="1" noMove="1" noResize="1" noEditPoints="1" noAdjustHandles="1" noChangeArrowheads="1" noChangeShapeType="1" noTextEdit="1"/>
+          </p:cNvSpPr>
+          <p:nvPr>
+            <p:extLst>
+              <p:ext uri="{386F3935-93C4-4BCD-93E2-E3B085C9AB24}">
+                <p16:designElem xmlns:p16="http://schemas.microsoft.com/office/powerpoint/2015/main" val="1"/>
+              </p:ext>
+            </p:extLst>
+          </p:nvPr>
+        </p:nvSpPr>
+        <p:spPr>
+          <a:xfrm rot="5400000" flipH="1">
+            <a:off x="-425002" y="852793"/>
+            <a:ext cx="6858001" cy="5152412"/>
+          </a:xfrm>
+          <a:prstGeom prst="rect">
+            <a:avLst/>
+          </a:prstGeom>
+          <a:gradFill>
+            <a:gsLst>
+              <a:gs pos="0">
+                <a:srgbClr val="000000">
+                  <a:alpha val="0"/>
+                </a:srgbClr>
+              </a:gs>
+              <a:gs pos="99000">
+                <a:schemeClr val="accent1">
+                  <a:alpha val="11000"/>
+                </a:schemeClr>
+              </a:gs>
+            </a:gsLst>
+            <a:lin ang="7800000" scaled="0"/>
+          </a:gradFill>
+          <a:ln>
+            <a:noFill/>
+          </a:ln>
+        </p:spPr>
+        <p:style>
+          <a:lnRef idx="2">
+            <a:schemeClr val="accent1">
+              <a:shade val="50000"/>
+            </a:schemeClr>
+          </a:lnRef>
+          <a:fillRef idx="1">
+            <a:schemeClr val="accent1"/>
+          </a:fillRef>
+          <a:effectRef idx="0">
+            <a:schemeClr val="accent1"/>
+          </a:effectRef>
+          <a:fontRef idx="minor">
+            <a:schemeClr val="lt1"/>
+          </a:fontRef>
+        </p:style>
+        <p:txBody>
+          <a:bodyPr rtlCol="0" anchor="ctr"/>
+          <a:lstStyle/>
+          <a:p>
+            <a:pPr algn="ctr"/>
+            <a:endParaRPr lang="en-US"/>
+          </a:p>
+        </p:txBody>
+      </p:sp>
+      <p:sp>
+        <p:nvSpPr>
+          <p:cNvPr id="18" name="Oval 17">
+            <a:extLst>
+              <a:ext uri="{FF2B5EF4-FFF2-40B4-BE49-F238E27FC236}">
+                <a16:creationId xmlns:a16="http://schemas.microsoft.com/office/drawing/2014/main" id="{E2548466-414D-2DE4-85E6-57491257D835}"/>
+              </a:ext>
+              <a:ext uri="{C183D7F6-B498-43B3-948B-1728B52AA6E4}">
+                <adec:decorative xmlns:adec="http://schemas.microsoft.com/office/drawing/2017/decorative" val="1"/>
+              </a:ext>
+            </a:extLst>
+          </p:cNvPr>
+          <p:cNvSpPr>
+            <a:spLocks noGrp="1" noRot="1" noChangeAspect="1" noMove="1" noResize="1" noEditPoints="1" noAdjustHandles="1" noChangeArrowheads="1" noChangeShapeType="1" noTextEdit="1"/>
+          </p:cNvSpPr>
+          <p:nvPr>
+            <p:extLst>
+              <p:ext uri="{386F3935-93C4-4BCD-93E2-E3B085C9AB24}">
+                <p16:designElem xmlns:p16="http://schemas.microsoft.com/office/powerpoint/2015/main" val="1"/>
+              </p:ext>
+            </p:extLst>
+          </p:nvPr>
+        </p:nvSpPr>
+        <p:spPr>
+          <a:xfrm rot="6097846">
+            <a:off x="818753" y="1128497"/>
+            <a:ext cx="4318303" cy="4318303"/>
+          </a:xfrm>
+          <a:prstGeom prst="ellipse">
+            <a:avLst/>
+          </a:prstGeom>
+          <a:gradFill>
+            <a:gsLst>
+              <a:gs pos="39000">
+                <a:schemeClr val="accent1">
+                  <a:alpha val="0"/>
+                </a:schemeClr>
+              </a:gs>
+              <a:gs pos="100000">
+                <a:schemeClr val="accent1">
+                  <a:lumMod val="60000"/>
+                  <a:lumOff val="40000"/>
+                  <a:alpha val="15000"/>
+                </a:schemeClr>
+              </a:gs>
+            </a:gsLst>
+            <a:lin ang="17400000" scaled="0"/>
+          </a:gradFill>
+          <a:ln>
+            <a:noFill/>
+          </a:ln>
+        </p:spPr>
+        <p:style>
+          <a:lnRef idx="2">
+            <a:schemeClr val="accent1">
+              <a:shade val="50000"/>
+            </a:schemeClr>
+          </a:lnRef>
+          <a:fillRef idx="1">
+            <a:schemeClr val="accent1"/>
+          </a:fillRef>
+          <a:effectRef idx="0">
+            <a:schemeClr val="accent1"/>
+          </a:effectRef>
+          <a:fontRef idx="minor">
+            <a:schemeClr val="lt1"/>
+          </a:fontRef>
+        </p:style>
+        <p:txBody>
+          <a:bodyPr rtlCol="0" anchor="ctr"/>
+          <a:lstStyle/>
+          <a:p>
+            <a:pPr algn="ctr"/>
+            <a:endParaRPr lang="en-US" dirty="0"/>
+          </a:p>
+        </p:txBody>
+      </p:sp>
+      <p:sp>
+        <p:nvSpPr>
+          <p:cNvPr id="2" name="Titel 1">
+            <a:extLst>
+              <a:ext uri="{FF2B5EF4-FFF2-40B4-BE49-F238E27FC236}">
+                <a16:creationId xmlns:a16="http://schemas.microsoft.com/office/drawing/2014/main" id="{629917AE-AF1F-9A2B-2D19-46C60F2A2D6C}"/>
+              </a:ext>
+            </a:extLst>
+          </p:cNvPr>
+          <p:cNvSpPr>
+            <a:spLocks noGrp="1"/>
+          </p:cNvSpPr>
+          <p:nvPr>
+            <p:ph type="title"/>
+          </p:nvPr>
+        </p:nvSpPr>
+        <p:spPr>
+          <a:xfrm>
+            <a:off x="826396" y="586855"/>
+            <a:ext cx="4230100" cy="3387497"/>
+          </a:xfrm>
+        </p:spPr>
+        <p:txBody>
+          <a:bodyPr anchor="b">
+            <a:normAutofit/>
+          </a:bodyPr>
+          <a:lstStyle/>
+          <a:p>
+            <a:pPr algn="r"/>
+            <a:r>
+              <a:rPr lang="de-DE" sz="4000" dirty="0">
+                <a:solidFill>
+                  <a:srgbClr val="FFFFFF"/>
+                </a:solidFill>
+              </a:rPr>
+              <a:t>Data </a:t>
+            </a:r>
+            <a:r>
+              <a:rPr lang="de-DE" sz="4000" dirty="0" err="1">
+                <a:solidFill>
+                  <a:srgbClr val="FFFFFF"/>
+                </a:solidFill>
+              </a:rPr>
+              <a:t>Extraction</a:t>
+            </a:r>
+            <a:endParaRPr lang="de-DE" sz="4000" dirty="0">
+              <a:solidFill>
+                <a:srgbClr val="FFFFFF"/>
+              </a:solidFill>
+            </a:endParaRPr>
+          </a:p>
+        </p:txBody>
+      </p:sp>
+      <p:sp>
+        <p:nvSpPr>
+          <p:cNvPr id="3" name="Inhaltsplatzhalter 2">
+            <a:extLst>
+              <a:ext uri="{FF2B5EF4-FFF2-40B4-BE49-F238E27FC236}">
+                <a16:creationId xmlns:a16="http://schemas.microsoft.com/office/drawing/2014/main" id="{002130D0-2ED8-79EF-168D-1FEBD36D7439}"/>
+              </a:ext>
+            </a:extLst>
+          </p:cNvPr>
+          <p:cNvSpPr>
+            <a:spLocks noGrp="1"/>
+          </p:cNvSpPr>
+          <p:nvPr>
+            <p:ph idx="1"/>
+          </p:nvPr>
+        </p:nvSpPr>
+        <p:spPr>
+          <a:xfrm>
+            <a:off x="6503158" y="649480"/>
+            <a:ext cx="4862447" cy="5546047"/>
+          </a:xfrm>
+        </p:spPr>
+        <p:txBody>
+          <a:bodyPr vert="horz" lIns="91440" tIns="45720" rIns="91440" bIns="45720" rtlCol="0" anchor="ctr">
+            <a:normAutofit/>
+          </a:bodyPr>
+          <a:lstStyle/>
+          <a:p>
+            <a:r>
+              <a:rPr lang="en-GB" sz="2000" noProof="0" dirty="0"/>
+              <a:t>no (good) APIs, no datasets to download</a:t>
+            </a:r>
+          </a:p>
+          <a:p>
+            <a:pPr lvl="1">
+              <a:buFont typeface="Courier New" panose="02070309020205020404" pitchFamily="49" charset="0"/>
+              <a:buChar char="o"/>
+            </a:pPr>
+            <a:r>
+              <a:rPr lang="en-GB" sz="2000" noProof="0" dirty="0"/>
+              <a:t>web scraping</a:t>
+            </a:r>
+          </a:p>
+          <a:p>
+            <a:r>
+              <a:rPr lang="en-GB" sz="2000" noProof="0" dirty="0"/>
+              <a:t>HTML of websites not well structured</a:t>
+            </a:r>
+          </a:p>
+          <a:p>
+            <a:pPr lvl="1">
+              <a:buFont typeface="Courier New" panose="02070309020205020404" pitchFamily="49" charset="0"/>
+              <a:buChar char="o"/>
+            </a:pPr>
+            <a:r>
+              <a:rPr lang="en-GB" sz="2000" noProof="0" dirty="0"/>
+              <a:t>catching a lot of exceptions</a:t>
+            </a:r>
+          </a:p>
+          <a:p>
+            <a:r>
+              <a:rPr lang="en-GB" sz="2000" noProof="0" dirty="0"/>
+              <a:t>Data Extraction was time consuming</a:t>
+            </a:r>
+          </a:p>
+          <a:p>
+            <a:pPr lvl="1">
+              <a:buFont typeface="Courier New" panose="02070309020205020404" pitchFamily="49" charset="0"/>
+              <a:buChar char="o"/>
+            </a:pPr>
+            <a:r>
+              <a:rPr lang="en-GB" sz="2000" noProof="0" dirty="0"/>
+              <a:t>executing through the night</a:t>
+            </a:r>
+          </a:p>
+          <a:p>
+            <a:r>
+              <a:rPr lang="en-GB" sz="2000" noProof="0" dirty="0"/>
+              <a:t>new extraction process for all different websites</a:t>
+            </a:r>
+          </a:p>
+        </p:txBody>
+      </p:sp>
+    </p:spTree>
+    <p:extLst>
+      <p:ext uri="{BB962C8B-B14F-4D97-AF65-F5344CB8AC3E}">
+        <p14:creationId xmlns:p14="http://schemas.microsoft.com/office/powerpoint/2010/main" val="3756371501"/>
+      </p:ext>
+    </p:extLst>
+  </p:cSld>
+  <p:clrMapOvr>
+    <a:masterClrMapping/>
+  </p:clrMapOvr>
+</p:sld>
+</file>
+
+<file path=ppt/slides/slide4.xml><?xml version="1.0" encoding="utf-8"?>
+<p:sld xmlns:a="http://schemas.openxmlformats.org/drawingml/2006/main" xmlns:r="http://schemas.openxmlformats.org/officeDocument/2006/relationships" xmlns:p="http://schemas.openxmlformats.org/presentationml/2006/main">
+  <p:cSld>
+    <p:bg>
+      <p:bgPr>
+        <a:solidFill>
+          <a:schemeClr val="bg1"/>
+        </a:solidFill>
+        <a:effectLst/>
+      </p:bgPr>
+    </p:bg>
+    <p:spTree>
+      <p:nvGrpSpPr>
+        <p:cNvPr id="1" name="">
+          <a:extLst>
+            <a:ext uri="{FF2B5EF4-FFF2-40B4-BE49-F238E27FC236}">
+              <a16:creationId xmlns:a16="http://schemas.microsoft.com/office/drawing/2014/main" id="{95A7FE3A-AA68-97BD-0BB7-8779D40418DD}"/>
+            </a:ext>
+          </a:extLst>
+        </p:cNvPr>
+        <p:cNvGrpSpPr/>
+        <p:nvPr/>
+      </p:nvGrpSpPr>
+      <p:grpSpPr>
+        <a:xfrm>
+          <a:off x="0" y="0"/>
+          <a:ext cx="0" cy="0"/>
+          <a:chOff x="0" y="0"/>
+          <a:chExt cx="0" cy="0"/>
+        </a:xfrm>
+      </p:grpSpPr>
+      <p:sp useBgFill="1">
+        <p:nvSpPr>
+          <p:cNvPr id="8" name="Rectangle 7">
+            <a:extLst>
+              <a:ext uri="{FF2B5EF4-FFF2-40B4-BE49-F238E27FC236}">
+                <a16:creationId xmlns:a16="http://schemas.microsoft.com/office/drawing/2014/main" id="{A4D74C1A-51A4-C713-45F7-973D4912C0A4}"/>
+              </a:ext>
+              <a:ext uri="{C183D7F6-B498-43B3-948B-1728B52AA6E4}">
+                <adec:decorative xmlns:adec="http://schemas.microsoft.com/office/drawing/2017/decorative" val="1"/>
+              </a:ext>
+            </a:extLst>
+          </p:cNvPr>
+          <p:cNvSpPr>
+            <a:spLocks noGrp="1" noRot="1" noChangeAspect="1" noMove="1" noResize="1" noEditPoints="1" noAdjustHandles="1" noChangeArrowheads="1" noChangeShapeType="1" noTextEdit="1"/>
+          </p:cNvSpPr>
+          <p:nvPr>
+            <p:extLst>
+              <p:ext uri="{386F3935-93C4-4BCD-93E2-E3B085C9AB24}">
+                <p16:designElem xmlns:p16="http://schemas.microsoft.com/office/powerpoint/2015/main" val="1"/>
+              </p:ext>
+            </p:extLst>
+          </p:nvPr>
+        </p:nvSpPr>
+        <p:spPr>
+          <a:xfrm>
+            <a:off x="0" y="0"/>
+            <a:ext cx="12192000" cy="6858000"/>
+          </a:xfrm>
+          <a:prstGeom prst="rect">
+            <a:avLst/>
+          </a:prstGeom>
+          <a:ln w="12700" cap="flat" cmpd="sng" algn="ctr">
+            <a:noFill/>
+            <a:prstDash val="solid"/>
+            <a:miter lim="800000"/>
+          </a:ln>
+          <a:effectLst/>
+          <a:extLst>
+            <a:ext uri="{91240B29-F687-4F45-9708-019B960494DF}">
+              <a14:hiddenLine xmlns:a14="http://schemas.microsoft.com/office/drawing/2010/main" w="12700" cap="flat" cmpd="sng" algn="ctr">
+                <a:solidFill>
+                  <a:schemeClr val="accent1">
+                    <a:shade val="50000"/>
+                  </a:schemeClr>
+                </a:solidFill>
+                <a:prstDash val="solid"/>
+                <a:miter lim="800000"/>
+              </a14:hiddenLine>
+            </a:ext>
+          </a:extLst>
+        </p:spPr>
+        <p:style>
+          <a:lnRef idx="2">
+            <a:schemeClr val="accent1">
+              <a:shade val="50000"/>
+            </a:schemeClr>
+          </a:lnRef>
+          <a:fillRef idx="1">
+            <a:schemeClr val="accent1"/>
+          </a:fillRef>
+          <a:effectRef idx="0">
+            <a:schemeClr val="accent1"/>
+          </a:effectRef>
+          <a:fontRef idx="minor">
+            <a:schemeClr val="lt1"/>
+          </a:fontRef>
+        </p:style>
+        <p:txBody>
+          <a:bodyPr rtlCol="0" anchor="ctr"/>
+          <a:lstStyle/>
+          <a:p>
+            <a:pPr algn="ctr"/>
+            <a:endParaRPr lang="en-US"/>
+          </a:p>
+        </p:txBody>
+      </p:sp>
+      <p:sp>
+        <p:nvSpPr>
+          <p:cNvPr id="10" name="Rectangle 9">
+            <a:extLst>
+              <a:ext uri="{FF2B5EF4-FFF2-40B4-BE49-F238E27FC236}">
+                <a16:creationId xmlns:a16="http://schemas.microsoft.com/office/drawing/2014/main" id="{CD0626A7-6FCF-0D74-04F2-073E1054BFBF}"/>
+              </a:ext>
+              <a:ext uri="{C183D7F6-B498-43B3-948B-1728B52AA6E4}">
+                <adec:decorative xmlns:adec="http://schemas.microsoft.com/office/drawing/2017/decorative" val="1"/>
+              </a:ext>
+            </a:extLst>
+          </p:cNvPr>
+          <p:cNvSpPr>
+            <a:spLocks noGrp="1" noRot="1" noChangeAspect="1" noMove="1" noResize="1" noEditPoints="1" noAdjustHandles="1" noChangeArrowheads="1" noChangeShapeType="1" noTextEdit="1"/>
+          </p:cNvSpPr>
+          <p:nvPr>
+            <p:extLst>
+              <p:ext uri="{386F3935-93C4-4BCD-93E2-E3B085C9AB24}">
+                <p16:designElem xmlns:p16="http://schemas.microsoft.com/office/powerpoint/2015/main" val="1"/>
+              </p:ext>
+            </p:extLst>
+          </p:nvPr>
+        </p:nvSpPr>
+        <p:spPr>
+          <a:xfrm rot="5400000" flipH="1">
+            <a:off x="-638515" y="639280"/>
+            <a:ext cx="6858000" cy="5579440"/>
+          </a:xfrm>
+          <a:prstGeom prst="rect">
+            <a:avLst/>
+          </a:prstGeom>
+          <a:gradFill>
+            <a:gsLst>
+              <a:gs pos="8000">
+                <a:srgbClr val="000000"/>
+              </a:gs>
+              <a:gs pos="100000">
+                <a:schemeClr val="accent1">
+                  <a:lumMod val="75000"/>
+                </a:schemeClr>
+              </a:gs>
+            </a:gsLst>
+            <a:lin ang="3000000" scaled="0"/>
+          </a:gradFill>
+          <a:ln>
+            <a:noFill/>
+          </a:ln>
+        </p:spPr>
+        <p:style>
+          <a:lnRef idx="2">
+            <a:schemeClr val="accent1">
+              <a:shade val="50000"/>
+            </a:schemeClr>
+          </a:lnRef>
+          <a:fillRef idx="1">
+            <a:schemeClr val="accent1"/>
+          </a:fillRef>
+          <a:effectRef idx="0">
+            <a:schemeClr val="accent1"/>
+          </a:effectRef>
+          <a:fontRef idx="minor">
+            <a:schemeClr val="lt1"/>
+          </a:fontRef>
+        </p:style>
+        <p:txBody>
+          <a:bodyPr rtlCol="0" anchor="ctr"/>
+          <a:lstStyle/>
+          <a:p>
+            <a:pPr algn="ctr"/>
+            <a:endParaRPr lang="en-US"/>
+          </a:p>
+        </p:txBody>
+      </p:sp>
+      <p:sp>
+        <p:nvSpPr>
+          <p:cNvPr id="12" name="Rectangle 11">
+            <a:extLst>
+              <a:ext uri="{FF2B5EF4-FFF2-40B4-BE49-F238E27FC236}">
+                <a16:creationId xmlns:a16="http://schemas.microsoft.com/office/drawing/2014/main" id="{D52E9BE6-E0C9-917E-E8EC-AFF82728F29B}"/>
+              </a:ext>
+              <a:ext uri="{C183D7F6-B498-43B3-948B-1728B52AA6E4}">
+                <adec:decorative xmlns:adec="http://schemas.microsoft.com/office/drawing/2017/decorative" val="1"/>
+              </a:ext>
+            </a:extLst>
+          </p:cNvPr>
+          <p:cNvSpPr>
+            <a:spLocks noGrp="1" noRot="1" noChangeAspect="1" noMove="1" noResize="1" noEditPoints="1" noAdjustHandles="1" noChangeArrowheads="1" noChangeShapeType="1" noTextEdit="1"/>
+          </p:cNvSpPr>
+          <p:nvPr>
+            <p:extLst>
+              <p:ext uri="{386F3935-93C4-4BCD-93E2-E3B085C9AB24}">
+                <p16:designElem xmlns:p16="http://schemas.microsoft.com/office/powerpoint/2015/main" val="1"/>
+              </p:ext>
+            </p:extLst>
+          </p:nvPr>
+        </p:nvSpPr>
+        <p:spPr>
+          <a:xfrm rot="5400000" flipH="1">
+            <a:off x="-393206" y="395206"/>
+            <a:ext cx="6346209" cy="5576080"/>
+          </a:xfrm>
+          <a:prstGeom prst="rect">
+            <a:avLst/>
+          </a:prstGeom>
+          <a:gradFill>
+            <a:gsLst>
+              <a:gs pos="0">
+                <a:srgbClr val="000000">
+                  <a:alpha val="0"/>
+                </a:srgbClr>
+              </a:gs>
+              <a:gs pos="99000">
+                <a:schemeClr val="accent1">
+                  <a:alpha val="0"/>
+                </a:schemeClr>
+              </a:gs>
+            </a:gsLst>
+            <a:lin ang="1800000" scaled="0"/>
+          </a:gradFill>
+          <a:ln>
+            <a:noFill/>
+          </a:ln>
+        </p:spPr>
+        <p:style>
+          <a:lnRef idx="2">
+            <a:schemeClr val="accent1">
+              <a:shade val="50000"/>
+            </a:schemeClr>
+          </a:lnRef>
+          <a:fillRef idx="1">
+            <a:schemeClr val="accent1"/>
+          </a:fillRef>
+          <a:effectRef idx="0">
+            <a:schemeClr val="accent1"/>
+          </a:effectRef>
+          <a:fontRef idx="minor">
+            <a:schemeClr val="lt1"/>
+          </a:fontRef>
+        </p:style>
+        <p:txBody>
+          <a:bodyPr rtlCol="0" anchor="ctr"/>
+          <a:lstStyle/>
+          <a:p>
+            <a:pPr algn="ctr"/>
+            <a:endParaRPr lang="en-US"/>
+          </a:p>
+        </p:txBody>
+      </p:sp>
+      <p:sp>
+        <p:nvSpPr>
+          <p:cNvPr id="14" name="Rectangle 13">
+            <a:extLst>
+              <a:ext uri="{FF2B5EF4-FFF2-40B4-BE49-F238E27FC236}">
+                <a16:creationId xmlns:a16="http://schemas.microsoft.com/office/drawing/2014/main" id="{707A8567-7AEC-5841-A7FD-A38330EBE347}"/>
+              </a:ext>
+              <a:ext uri="{C183D7F6-B498-43B3-948B-1728B52AA6E4}">
+                <adec:decorative xmlns:adec="http://schemas.microsoft.com/office/drawing/2017/decorative" val="1"/>
+              </a:ext>
+            </a:extLst>
+          </p:cNvPr>
+          <p:cNvSpPr>
+            <a:spLocks noGrp="1" noRot="1" noChangeAspect="1" noMove="1" noResize="1" noEditPoints="1" noAdjustHandles="1" noChangeArrowheads="1" noChangeShapeType="1" noTextEdit="1"/>
+          </p:cNvSpPr>
+          <p:nvPr>
+            <p:extLst>
+              <p:ext uri="{386F3935-93C4-4BCD-93E2-E3B085C9AB24}">
+                <p16:designElem xmlns:p16="http://schemas.microsoft.com/office/powerpoint/2015/main" val="1"/>
+              </p:ext>
+            </p:extLst>
+          </p:nvPr>
+        </p:nvSpPr>
+        <p:spPr>
+          <a:xfrm rot="5400000" flipH="1">
+            <a:off x="1528907" y="2818967"/>
+            <a:ext cx="2501979" cy="5576080"/>
+          </a:xfrm>
+          <a:prstGeom prst="rect">
+            <a:avLst/>
+          </a:prstGeom>
+          <a:gradFill>
+            <a:gsLst>
+              <a:gs pos="2000">
+                <a:schemeClr val="accent1">
+                  <a:alpha val="29000"/>
+                </a:schemeClr>
+              </a:gs>
+              <a:gs pos="100000">
+                <a:srgbClr val="000000">
+                  <a:alpha val="30000"/>
+                </a:srgbClr>
+              </a:gs>
+            </a:gsLst>
+            <a:lin ang="7800000" scaled="0"/>
+          </a:gradFill>
+          <a:ln>
+            <a:noFill/>
+          </a:ln>
+        </p:spPr>
+        <p:style>
+          <a:lnRef idx="2">
+            <a:schemeClr val="accent1">
+              <a:shade val="50000"/>
+            </a:schemeClr>
+          </a:lnRef>
+          <a:fillRef idx="1">
+            <a:schemeClr val="accent1"/>
+          </a:fillRef>
+          <a:effectRef idx="0">
+            <a:schemeClr val="accent1"/>
+          </a:effectRef>
+          <a:fontRef idx="minor">
+            <a:schemeClr val="lt1"/>
+          </a:fontRef>
+        </p:style>
+        <p:txBody>
+          <a:bodyPr rtlCol="0" anchor="ctr"/>
+          <a:lstStyle/>
+          <a:p>
+            <a:pPr algn="ctr"/>
+            <a:endParaRPr lang="en-US" dirty="0"/>
+          </a:p>
+        </p:txBody>
+      </p:sp>
+      <p:sp>
+        <p:nvSpPr>
+          <p:cNvPr id="16" name="Rectangle 15">
+            <a:extLst>
+              <a:ext uri="{FF2B5EF4-FFF2-40B4-BE49-F238E27FC236}">
+                <a16:creationId xmlns:a16="http://schemas.microsoft.com/office/drawing/2014/main" id="{70FBE359-5B58-B26C-FEB7-5E28A69EE455}"/>
+              </a:ext>
+              <a:ext uri="{C183D7F6-B498-43B3-948B-1728B52AA6E4}">
+                <adec:decorative xmlns:adec="http://schemas.microsoft.com/office/drawing/2017/decorative" val="1"/>
+              </a:ext>
+            </a:extLst>
+          </p:cNvPr>
+          <p:cNvSpPr>
+            <a:spLocks noGrp="1" noRot="1" noChangeAspect="1" noMove="1" noResize="1" noEditPoints="1" noAdjustHandles="1" noChangeArrowheads="1" noChangeShapeType="1" noTextEdit="1"/>
+          </p:cNvSpPr>
+          <p:nvPr>
+            <p:extLst>
+              <p:ext uri="{386F3935-93C4-4BCD-93E2-E3B085C9AB24}">
+                <p16:designElem xmlns:p16="http://schemas.microsoft.com/office/powerpoint/2015/main" val="1"/>
+              </p:ext>
+            </p:extLst>
+          </p:nvPr>
+        </p:nvSpPr>
+        <p:spPr>
+          <a:xfrm rot="5400000" flipH="1">
+            <a:off x="-425002" y="852793"/>
+            <a:ext cx="6858001" cy="5152412"/>
+          </a:xfrm>
+          <a:prstGeom prst="rect">
+            <a:avLst/>
+          </a:prstGeom>
+          <a:gradFill>
+            <a:gsLst>
+              <a:gs pos="0">
+                <a:srgbClr val="000000">
+                  <a:alpha val="0"/>
+                </a:srgbClr>
+              </a:gs>
+              <a:gs pos="99000">
+                <a:schemeClr val="accent1">
+                  <a:alpha val="11000"/>
+                </a:schemeClr>
+              </a:gs>
+            </a:gsLst>
+            <a:lin ang="7800000" scaled="0"/>
+          </a:gradFill>
+          <a:ln>
+            <a:noFill/>
+          </a:ln>
+        </p:spPr>
+        <p:style>
+          <a:lnRef idx="2">
+            <a:schemeClr val="accent1">
+              <a:shade val="50000"/>
+            </a:schemeClr>
+          </a:lnRef>
+          <a:fillRef idx="1">
+            <a:schemeClr val="accent1"/>
+          </a:fillRef>
+          <a:effectRef idx="0">
+            <a:schemeClr val="accent1"/>
+          </a:effectRef>
+          <a:fontRef idx="minor">
+            <a:schemeClr val="lt1"/>
+          </a:fontRef>
+        </p:style>
+        <p:txBody>
+          <a:bodyPr rtlCol="0" anchor="ctr"/>
+          <a:lstStyle/>
+          <a:p>
+            <a:pPr algn="ctr"/>
+            <a:endParaRPr lang="en-US"/>
+          </a:p>
+        </p:txBody>
+      </p:sp>
+      <p:sp>
+        <p:nvSpPr>
+          <p:cNvPr id="18" name="Oval 17">
+            <a:extLst>
+              <a:ext uri="{FF2B5EF4-FFF2-40B4-BE49-F238E27FC236}">
+                <a16:creationId xmlns:a16="http://schemas.microsoft.com/office/drawing/2014/main" id="{F71DAEF4-856C-B717-F0B7-2A77F4A8DF56}"/>
+              </a:ext>
+              <a:ext uri="{C183D7F6-B498-43B3-948B-1728B52AA6E4}">
+                <adec:decorative xmlns:adec="http://schemas.microsoft.com/office/drawing/2017/decorative" val="1"/>
+              </a:ext>
+            </a:extLst>
+          </p:cNvPr>
+          <p:cNvSpPr>
+            <a:spLocks noGrp="1" noRot="1" noChangeAspect="1" noMove="1" noResize="1" noEditPoints="1" noAdjustHandles="1" noChangeArrowheads="1" noChangeShapeType="1" noTextEdit="1"/>
+          </p:cNvSpPr>
+          <p:nvPr>
+            <p:extLst>
+              <p:ext uri="{386F3935-93C4-4BCD-93E2-E3B085C9AB24}">
+                <p16:designElem xmlns:p16="http://schemas.microsoft.com/office/powerpoint/2015/main" val="1"/>
+              </p:ext>
+            </p:extLst>
+          </p:nvPr>
+        </p:nvSpPr>
+        <p:spPr>
+          <a:xfrm rot="6097846">
+            <a:off x="818753" y="1128497"/>
+            <a:ext cx="4318303" cy="4318303"/>
+          </a:xfrm>
+          <a:prstGeom prst="ellipse">
+            <a:avLst/>
+          </a:prstGeom>
+          <a:gradFill>
+            <a:gsLst>
+              <a:gs pos="39000">
+                <a:schemeClr val="accent1">
+                  <a:alpha val="0"/>
+                </a:schemeClr>
+              </a:gs>
+              <a:gs pos="100000">
+                <a:schemeClr val="accent1">
+                  <a:lumMod val="60000"/>
+                  <a:lumOff val="40000"/>
+                  <a:alpha val="15000"/>
+                </a:schemeClr>
+              </a:gs>
+            </a:gsLst>
+            <a:lin ang="17400000" scaled="0"/>
+          </a:gradFill>
+          <a:ln>
+            <a:noFill/>
+          </a:ln>
+        </p:spPr>
+        <p:style>
+          <a:lnRef idx="2">
+            <a:schemeClr val="accent1">
+              <a:shade val="50000"/>
+            </a:schemeClr>
+          </a:lnRef>
+          <a:fillRef idx="1">
+            <a:schemeClr val="accent1"/>
+          </a:fillRef>
+          <a:effectRef idx="0">
+            <a:schemeClr val="accent1"/>
+          </a:effectRef>
+          <a:fontRef idx="minor">
+            <a:schemeClr val="lt1"/>
+          </a:fontRef>
+        </p:style>
+        <p:txBody>
+          <a:bodyPr rtlCol="0" anchor="ctr"/>
+          <a:lstStyle/>
+          <a:p>
+            <a:pPr algn="ctr"/>
+            <a:endParaRPr lang="en-US" dirty="0"/>
+          </a:p>
+        </p:txBody>
+      </p:sp>
+      <p:sp>
+        <p:nvSpPr>
+          <p:cNvPr id="2" name="Titel 1">
+            <a:extLst>
+              <a:ext uri="{FF2B5EF4-FFF2-40B4-BE49-F238E27FC236}">
+                <a16:creationId xmlns:a16="http://schemas.microsoft.com/office/drawing/2014/main" id="{AEC17498-D278-74C5-E2B2-CCA3BA096121}"/>
+              </a:ext>
+            </a:extLst>
+          </p:cNvPr>
+          <p:cNvSpPr>
+            <a:spLocks noGrp="1"/>
+          </p:cNvSpPr>
+          <p:nvPr>
+            <p:ph type="title"/>
+          </p:nvPr>
+        </p:nvSpPr>
+        <p:spPr>
+          <a:xfrm>
+            <a:off x="826396" y="586855"/>
+            <a:ext cx="4230100" cy="3387497"/>
+          </a:xfrm>
+        </p:spPr>
+        <p:txBody>
+          <a:bodyPr anchor="b">
+            <a:normAutofit/>
+          </a:bodyPr>
+          <a:lstStyle/>
+          <a:p>
+            <a:pPr algn="r"/>
+            <a:r>
+              <a:rPr lang="de-DE" sz="4000" dirty="0">
+                <a:solidFill>
+                  <a:srgbClr val="FFFFFF"/>
+                </a:solidFill>
+              </a:rPr>
+              <a:t>Data </a:t>
+            </a:r>
+            <a:r>
+              <a:rPr lang="de-DE" sz="4000" dirty="0" err="1">
+                <a:solidFill>
+                  <a:srgbClr val="FFFFFF"/>
+                </a:solidFill>
+              </a:rPr>
+              <a:t>Extraction</a:t>
+            </a:r>
+            <a:endParaRPr lang="de-DE" sz="4000" dirty="0">
+              <a:solidFill>
+                <a:srgbClr val="FFFFFF"/>
+              </a:solidFill>
+            </a:endParaRPr>
+          </a:p>
+        </p:txBody>
+      </p:sp>
+      <p:pic>
+        <p:nvPicPr>
+          <p:cNvPr id="7" name="Grafik 6" descr="Ein Bild, das Text, Screenshot, Software, Zahl enthält.&#10;&#10;KI-generierte Inhalte können fehlerhaft sein.">
+            <a:extLst>
+              <a:ext uri="{FF2B5EF4-FFF2-40B4-BE49-F238E27FC236}">
+                <a16:creationId xmlns:a16="http://schemas.microsoft.com/office/drawing/2014/main" id="{3CA51A14-01BB-13FE-C351-FBF48618BFF7}"/>
+              </a:ext>
+            </a:extLst>
+          </p:cNvPr>
+          <p:cNvPicPr>
+            <a:picLocks noChangeAspect="1"/>
+          </p:cNvPicPr>
+          <p:nvPr/>
+        </p:nvPicPr>
+        <p:blipFill>
+          <a:blip r:embed="rId2">
+            <a:extLst>
+              <a:ext uri="{28A0092B-C50C-407E-A947-70E740481C1C}">
+                <a14:useLocalDpi xmlns:a14="http://schemas.microsoft.com/office/drawing/2010/main" val="0"/>
+              </a:ext>
+            </a:extLst>
+          </a:blip>
+          <a:srcRect l="4995" r="23496"/>
+          <a:stretch/>
+        </p:blipFill>
+        <p:spPr>
+          <a:xfrm>
+            <a:off x="5576165" y="182869"/>
+            <a:ext cx="6615836" cy="6492259"/>
+          </a:xfrm>
+          <a:prstGeom prst="rect">
+            <a:avLst/>
+          </a:prstGeom>
+        </p:spPr>
+      </p:pic>
+    </p:spTree>
+    <p:extLst>
+      <p:ext uri="{BB962C8B-B14F-4D97-AF65-F5344CB8AC3E}">
+        <p14:creationId xmlns:p14="http://schemas.microsoft.com/office/powerpoint/2010/main" val="1747331412"/>
+      </p:ext>
+    </p:extLst>
+  </p:cSld>
+  <p:clrMapOvr>
+    <a:masterClrMapping/>
+  </p:clrMapOvr>
+</p:sld>
+</file>
+
+<file path=ppt/slides/slide5.xml><?xml version="1.0" encoding="utf-8"?>
+<p:sld xmlns:a="http://schemas.openxmlformats.org/drawingml/2006/main" xmlns:r="http://schemas.openxmlformats.org/officeDocument/2006/relationships" xmlns:p="http://schemas.openxmlformats.org/presentationml/2006/main">
+  <p:cSld>
+    <p:bg>
+      <p:bgPr>
+        <a:solidFill>
+          <a:schemeClr val="bg1"/>
+        </a:solidFill>
+        <a:effectLst/>
+      </p:bgPr>
+    </p:bg>
+    <p:spTree>
+      <p:nvGrpSpPr>
+        <p:cNvPr id="1" name="">
+          <a:extLst>
+            <a:ext uri="{FF2B5EF4-FFF2-40B4-BE49-F238E27FC236}">
+              <a16:creationId xmlns:a16="http://schemas.microsoft.com/office/drawing/2014/main" id="{0FF860C9-69DB-9FDC-BD8B-7E84BD49F776}"/>
+            </a:ext>
+          </a:extLst>
+        </p:cNvPr>
+        <p:cNvGrpSpPr/>
+        <p:nvPr/>
+      </p:nvGrpSpPr>
+      <p:grpSpPr>
+        <a:xfrm>
+          <a:off x="0" y="0"/>
+          <a:ext cx="0" cy="0"/>
+          <a:chOff x="0" y="0"/>
+          <a:chExt cx="0" cy="0"/>
+        </a:xfrm>
+      </p:grpSpPr>
+      <p:sp useBgFill="1">
+        <p:nvSpPr>
+          <p:cNvPr id="8" name="Rectangle 7">
+            <a:extLst>
+              <a:ext uri="{FF2B5EF4-FFF2-40B4-BE49-F238E27FC236}">
+                <a16:creationId xmlns:a16="http://schemas.microsoft.com/office/drawing/2014/main" id="{A9C369DD-9143-7A19-8DBE-994DC1CB8CDA}"/>
+              </a:ext>
+              <a:ext uri="{C183D7F6-B498-43B3-948B-1728B52AA6E4}">
+                <adec:decorative xmlns:adec="http://schemas.microsoft.com/office/drawing/2017/decorative" val="1"/>
+              </a:ext>
+            </a:extLst>
+          </p:cNvPr>
+          <p:cNvSpPr>
+            <a:spLocks noGrp="1" noRot="1" noChangeAspect="1" noMove="1" noResize="1" noEditPoints="1" noAdjustHandles="1" noChangeArrowheads="1" noChangeShapeType="1" noTextEdit="1"/>
+          </p:cNvSpPr>
+          <p:nvPr>
+            <p:extLst>
+              <p:ext uri="{386F3935-93C4-4BCD-93E2-E3B085C9AB24}">
+                <p16:designElem xmlns:p16="http://schemas.microsoft.com/office/powerpoint/2015/main" val="1"/>
+              </p:ext>
+            </p:extLst>
+          </p:nvPr>
+        </p:nvSpPr>
+        <p:spPr>
+          <a:xfrm>
+            <a:off x="0" y="0"/>
+            <a:ext cx="12192000" cy="6858000"/>
+          </a:xfrm>
+          <a:prstGeom prst="rect">
+            <a:avLst/>
+          </a:prstGeom>
+          <a:ln w="12700" cap="flat" cmpd="sng" algn="ctr">
+            <a:noFill/>
+            <a:prstDash val="solid"/>
+            <a:miter lim="800000"/>
+          </a:ln>
+          <a:effectLst/>
+          <a:extLst>
+            <a:ext uri="{91240B29-F687-4F45-9708-019B960494DF}">
+              <a14:hiddenLine xmlns:a14="http://schemas.microsoft.com/office/drawing/2010/main" w="12700" cap="flat" cmpd="sng" algn="ctr">
+                <a:solidFill>
+                  <a:schemeClr val="accent1">
+                    <a:shade val="50000"/>
+                  </a:schemeClr>
+                </a:solidFill>
+                <a:prstDash val="solid"/>
+                <a:miter lim="800000"/>
+              </a14:hiddenLine>
+            </a:ext>
+          </a:extLst>
+        </p:spPr>
+        <p:style>
+          <a:lnRef idx="2">
+            <a:schemeClr val="accent1">
+              <a:shade val="50000"/>
+            </a:schemeClr>
+          </a:lnRef>
+          <a:fillRef idx="1">
+            <a:schemeClr val="accent1"/>
+          </a:fillRef>
+          <a:effectRef idx="0">
+            <a:schemeClr val="accent1"/>
+          </a:effectRef>
+          <a:fontRef idx="minor">
+            <a:schemeClr val="lt1"/>
+          </a:fontRef>
+        </p:style>
+        <p:txBody>
+          <a:bodyPr rtlCol="0" anchor="ctr"/>
+          <a:lstStyle/>
+          <a:p>
+            <a:pPr algn="ctr"/>
+            <a:endParaRPr lang="en-US"/>
+          </a:p>
+        </p:txBody>
+      </p:sp>
+      <p:sp>
+        <p:nvSpPr>
+          <p:cNvPr id="10" name="Rectangle 9">
+            <a:extLst>
+              <a:ext uri="{FF2B5EF4-FFF2-40B4-BE49-F238E27FC236}">
+                <a16:creationId xmlns:a16="http://schemas.microsoft.com/office/drawing/2014/main" id="{7E2044FC-FA32-4F7D-D327-1445C1005FDB}"/>
+              </a:ext>
+              <a:ext uri="{C183D7F6-B498-43B3-948B-1728B52AA6E4}">
+                <adec:decorative xmlns:adec="http://schemas.microsoft.com/office/drawing/2017/decorative" val="1"/>
+              </a:ext>
+            </a:extLst>
+          </p:cNvPr>
+          <p:cNvSpPr>
+            <a:spLocks noGrp="1" noRot="1" noChangeAspect="1" noMove="1" noResize="1" noEditPoints="1" noAdjustHandles="1" noChangeArrowheads="1" noChangeShapeType="1" noTextEdit="1"/>
+          </p:cNvSpPr>
+          <p:nvPr>
+            <p:extLst>
+              <p:ext uri="{386F3935-93C4-4BCD-93E2-E3B085C9AB24}">
+                <p16:designElem xmlns:p16="http://schemas.microsoft.com/office/powerpoint/2015/main" val="1"/>
+              </p:ext>
+            </p:extLst>
+          </p:nvPr>
+        </p:nvSpPr>
+        <p:spPr>
+          <a:xfrm rot="5400000" flipH="1">
+            <a:off x="-638515" y="639280"/>
+            <a:ext cx="6858000" cy="5579440"/>
+          </a:xfrm>
+          <a:prstGeom prst="rect">
+            <a:avLst/>
+          </a:prstGeom>
+          <a:gradFill>
+            <a:gsLst>
+              <a:gs pos="8000">
+                <a:srgbClr val="000000"/>
+              </a:gs>
+              <a:gs pos="100000">
+                <a:schemeClr val="accent1">
+                  <a:lumMod val="75000"/>
+                </a:schemeClr>
+              </a:gs>
+            </a:gsLst>
+            <a:lin ang="3000000" scaled="0"/>
+          </a:gradFill>
+          <a:ln>
+            <a:noFill/>
+          </a:ln>
+        </p:spPr>
+        <p:style>
+          <a:lnRef idx="2">
+            <a:schemeClr val="accent1">
+              <a:shade val="50000"/>
+            </a:schemeClr>
+          </a:lnRef>
+          <a:fillRef idx="1">
+            <a:schemeClr val="accent1"/>
+          </a:fillRef>
+          <a:effectRef idx="0">
+            <a:schemeClr val="accent1"/>
+          </a:effectRef>
+          <a:fontRef idx="minor">
+            <a:schemeClr val="lt1"/>
+          </a:fontRef>
+        </p:style>
+        <p:txBody>
+          <a:bodyPr rtlCol="0" anchor="ctr"/>
+          <a:lstStyle/>
+          <a:p>
+            <a:pPr algn="ctr"/>
+            <a:endParaRPr lang="en-US"/>
+          </a:p>
+        </p:txBody>
+      </p:sp>
+      <p:sp>
+        <p:nvSpPr>
+          <p:cNvPr id="12" name="Rectangle 11">
+            <a:extLst>
+              <a:ext uri="{FF2B5EF4-FFF2-40B4-BE49-F238E27FC236}">
+                <a16:creationId xmlns:a16="http://schemas.microsoft.com/office/drawing/2014/main" id="{8DEA448E-85D5-9E54-75AB-C8390416E93B}"/>
+              </a:ext>
+              <a:ext uri="{C183D7F6-B498-43B3-948B-1728B52AA6E4}">
+                <adec:decorative xmlns:adec="http://schemas.microsoft.com/office/drawing/2017/decorative" val="1"/>
+              </a:ext>
+            </a:extLst>
+          </p:cNvPr>
+          <p:cNvSpPr>
+            <a:spLocks noGrp="1" noRot="1" noChangeAspect="1" noMove="1" noResize="1" noEditPoints="1" noAdjustHandles="1" noChangeArrowheads="1" noChangeShapeType="1" noTextEdit="1"/>
+          </p:cNvSpPr>
+          <p:nvPr>
+            <p:extLst>
+              <p:ext uri="{386F3935-93C4-4BCD-93E2-E3B085C9AB24}">
+                <p16:designElem xmlns:p16="http://schemas.microsoft.com/office/powerpoint/2015/main" val="1"/>
+              </p:ext>
+            </p:extLst>
+          </p:nvPr>
+        </p:nvSpPr>
+        <p:spPr>
+          <a:xfrm rot="5400000" flipH="1">
+            <a:off x="-393206" y="395206"/>
+            <a:ext cx="6346209" cy="5576080"/>
+          </a:xfrm>
+          <a:prstGeom prst="rect">
+            <a:avLst/>
+          </a:prstGeom>
+          <a:gradFill>
+            <a:gsLst>
+              <a:gs pos="0">
+                <a:srgbClr val="000000">
+                  <a:alpha val="0"/>
+                </a:srgbClr>
+              </a:gs>
+              <a:gs pos="99000">
+                <a:schemeClr val="accent1">
+                  <a:alpha val="0"/>
+                </a:schemeClr>
+              </a:gs>
+            </a:gsLst>
+            <a:lin ang="1800000" scaled="0"/>
+          </a:gradFill>
+          <a:ln>
+            <a:noFill/>
+          </a:ln>
+        </p:spPr>
+        <p:style>
+          <a:lnRef idx="2">
+            <a:schemeClr val="accent1">
+              <a:shade val="50000"/>
+            </a:schemeClr>
+          </a:lnRef>
+          <a:fillRef idx="1">
+            <a:schemeClr val="accent1"/>
+          </a:fillRef>
+          <a:effectRef idx="0">
+            <a:schemeClr val="accent1"/>
+          </a:effectRef>
+          <a:fontRef idx="minor">
+            <a:schemeClr val="lt1"/>
+          </a:fontRef>
+        </p:style>
+        <p:txBody>
+          <a:bodyPr rtlCol="0" anchor="ctr"/>
+          <a:lstStyle/>
+          <a:p>
+            <a:pPr algn="ctr"/>
+            <a:endParaRPr lang="en-US"/>
+          </a:p>
+        </p:txBody>
+      </p:sp>
+      <p:sp>
+        <p:nvSpPr>
+          <p:cNvPr id="14" name="Rectangle 13">
+            <a:extLst>
+              <a:ext uri="{FF2B5EF4-FFF2-40B4-BE49-F238E27FC236}">
+                <a16:creationId xmlns:a16="http://schemas.microsoft.com/office/drawing/2014/main" id="{459B9D3F-2514-5DD2-2662-8CE455161D64}"/>
+              </a:ext>
+              <a:ext uri="{C183D7F6-B498-43B3-948B-1728B52AA6E4}">
+                <adec:decorative xmlns:adec="http://schemas.microsoft.com/office/drawing/2017/decorative" val="1"/>
+              </a:ext>
+            </a:extLst>
+          </p:cNvPr>
+          <p:cNvSpPr>
+            <a:spLocks noGrp="1" noRot="1" noChangeAspect="1" noMove="1" noResize="1" noEditPoints="1" noAdjustHandles="1" noChangeArrowheads="1" noChangeShapeType="1" noTextEdit="1"/>
+          </p:cNvSpPr>
+          <p:nvPr>
+            <p:extLst>
+              <p:ext uri="{386F3935-93C4-4BCD-93E2-E3B085C9AB24}">
+                <p16:designElem xmlns:p16="http://schemas.microsoft.com/office/powerpoint/2015/main" val="1"/>
+              </p:ext>
+            </p:extLst>
+          </p:nvPr>
+        </p:nvSpPr>
+        <p:spPr>
+          <a:xfrm rot="5400000" flipH="1">
+            <a:off x="1528907" y="2818967"/>
+            <a:ext cx="2501979" cy="5576080"/>
+          </a:xfrm>
+          <a:prstGeom prst="rect">
+            <a:avLst/>
+          </a:prstGeom>
+          <a:gradFill>
+            <a:gsLst>
+              <a:gs pos="2000">
+                <a:schemeClr val="accent1">
+                  <a:alpha val="29000"/>
+                </a:schemeClr>
+              </a:gs>
+              <a:gs pos="100000">
+                <a:srgbClr val="000000">
+                  <a:alpha val="30000"/>
+                </a:srgbClr>
+              </a:gs>
+            </a:gsLst>
+            <a:lin ang="7800000" scaled="0"/>
+          </a:gradFill>
+          <a:ln>
+            <a:noFill/>
+          </a:ln>
+        </p:spPr>
+        <p:style>
+          <a:lnRef idx="2">
+            <a:schemeClr val="accent1">
+              <a:shade val="50000"/>
+            </a:schemeClr>
+          </a:lnRef>
+          <a:fillRef idx="1">
+            <a:schemeClr val="accent1"/>
+          </a:fillRef>
+          <a:effectRef idx="0">
+            <a:schemeClr val="accent1"/>
+          </a:effectRef>
+          <a:fontRef idx="minor">
+            <a:schemeClr val="lt1"/>
+          </a:fontRef>
+        </p:style>
+        <p:txBody>
+          <a:bodyPr rtlCol="0" anchor="ctr"/>
+          <a:lstStyle/>
+          <a:p>
+            <a:pPr algn="ctr"/>
+            <a:endParaRPr lang="en-US" dirty="0"/>
+          </a:p>
+        </p:txBody>
+      </p:sp>
+      <p:sp>
+        <p:nvSpPr>
+          <p:cNvPr id="16" name="Rectangle 15">
+            <a:extLst>
+              <a:ext uri="{FF2B5EF4-FFF2-40B4-BE49-F238E27FC236}">
+                <a16:creationId xmlns:a16="http://schemas.microsoft.com/office/drawing/2014/main" id="{3A474E31-AE89-1771-22B6-5C6767F45B2A}"/>
+              </a:ext>
+              <a:ext uri="{C183D7F6-B498-43B3-948B-1728B52AA6E4}">
+                <adec:decorative xmlns:adec="http://schemas.microsoft.com/office/drawing/2017/decorative" val="1"/>
+              </a:ext>
+            </a:extLst>
+          </p:cNvPr>
+          <p:cNvSpPr>
+            <a:spLocks noGrp="1" noRot="1" noChangeAspect="1" noMove="1" noResize="1" noEditPoints="1" noAdjustHandles="1" noChangeArrowheads="1" noChangeShapeType="1" noTextEdit="1"/>
+          </p:cNvSpPr>
+          <p:nvPr>
+            <p:extLst>
+              <p:ext uri="{386F3935-93C4-4BCD-93E2-E3B085C9AB24}">
+                <p16:designElem xmlns:p16="http://schemas.microsoft.com/office/powerpoint/2015/main" val="1"/>
+              </p:ext>
+            </p:extLst>
+          </p:nvPr>
+        </p:nvSpPr>
+        <p:spPr>
+          <a:xfrm rot="5400000" flipH="1">
+            <a:off x="-425002" y="852793"/>
+            <a:ext cx="6858001" cy="5152412"/>
+          </a:xfrm>
+          <a:prstGeom prst="rect">
+            <a:avLst/>
+          </a:prstGeom>
+          <a:gradFill>
+            <a:gsLst>
+              <a:gs pos="0">
+                <a:srgbClr val="000000">
+                  <a:alpha val="0"/>
+                </a:srgbClr>
+              </a:gs>
+              <a:gs pos="99000">
+                <a:schemeClr val="accent1">
+                  <a:alpha val="11000"/>
+                </a:schemeClr>
+              </a:gs>
+            </a:gsLst>
+            <a:lin ang="7800000" scaled="0"/>
+          </a:gradFill>
+          <a:ln>
+            <a:noFill/>
+          </a:ln>
+        </p:spPr>
+        <p:style>
+          <a:lnRef idx="2">
+            <a:schemeClr val="accent1">
+              <a:shade val="50000"/>
+            </a:schemeClr>
+          </a:lnRef>
+          <a:fillRef idx="1">
+            <a:schemeClr val="accent1"/>
+          </a:fillRef>
+          <a:effectRef idx="0">
+            <a:schemeClr val="accent1"/>
+          </a:effectRef>
+          <a:fontRef idx="minor">
+            <a:schemeClr val="lt1"/>
+          </a:fontRef>
+        </p:style>
+        <p:txBody>
+          <a:bodyPr rtlCol="0" anchor="ctr"/>
+          <a:lstStyle/>
+          <a:p>
+            <a:pPr algn="ctr"/>
+            <a:endParaRPr lang="en-US"/>
+          </a:p>
+        </p:txBody>
+      </p:sp>
+      <p:sp>
+        <p:nvSpPr>
+          <p:cNvPr id="18" name="Oval 17">
+            <a:extLst>
+              <a:ext uri="{FF2B5EF4-FFF2-40B4-BE49-F238E27FC236}">
+                <a16:creationId xmlns:a16="http://schemas.microsoft.com/office/drawing/2014/main" id="{6BB37400-178C-7941-3206-3D2327350361}"/>
+              </a:ext>
+              <a:ext uri="{C183D7F6-B498-43B3-948B-1728B52AA6E4}">
+                <adec:decorative xmlns:adec="http://schemas.microsoft.com/office/drawing/2017/decorative" val="1"/>
+              </a:ext>
+            </a:extLst>
+          </p:cNvPr>
+          <p:cNvSpPr>
+            <a:spLocks noGrp="1" noRot="1" noChangeAspect="1" noMove="1" noResize="1" noEditPoints="1" noAdjustHandles="1" noChangeArrowheads="1" noChangeShapeType="1" noTextEdit="1"/>
+          </p:cNvSpPr>
+          <p:nvPr>
+            <p:extLst>
+              <p:ext uri="{386F3935-93C4-4BCD-93E2-E3B085C9AB24}">
+                <p16:designElem xmlns:p16="http://schemas.microsoft.com/office/powerpoint/2015/main" val="1"/>
+              </p:ext>
+            </p:extLst>
+          </p:nvPr>
+        </p:nvSpPr>
+        <p:spPr>
+          <a:xfrm rot="6097846">
+            <a:off x="818753" y="1128497"/>
+            <a:ext cx="4318303" cy="4318303"/>
+          </a:xfrm>
+          <a:prstGeom prst="ellipse">
+            <a:avLst/>
+          </a:prstGeom>
+          <a:gradFill>
+            <a:gsLst>
+              <a:gs pos="39000">
+                <a:schemeClr val="accent1">
+                  <a:alpha val="0"/>
+                </a:schemeClr>
+              </a:gs>
+              <a:gs pos="100000">
+                <a:schemeClr val="accent1">
+                  <a:lumMod val="60000"/>
+                  <a:lumOff val="40000"/>
+                  <a:alpha val="15000"/>
+                </a:schemeClr>
+              </a:gs>
+            </a:gsLst>
+            <a:lin ang="17400000" scaled="0"/>
+          </a:gradFill>
+          <a:ln>
+            <a:noFill/>
+          </a:ln>
+        </p:spPr>
+        <p:style>
+          <a:lnRef idx="2">
+            <a:schemeClr val="accent1">
+              <a:shade val="50000"/>
+            </a:schemeClr>
+          </a:lnRef>
+          <a:fillRef idx="1">
+            <a:schemeClr val="accent1"/>
+          </a:fillRef>
+          <a:effectRef idx="0">
+            <a:schemeClr val="accent1"/>
+          </a:effectRef>
+          <a:fontRef idx="minor">
+            <a:schemeClr val="lt1"/>
+          </a:fontRef>
+        </p:style>
+        <p:txBody>
+          <a:bodyPr rtlCol="0" anchor="ctr"/>
+          <a:lstStyle/>
+          <a:p>
+            <a:pPr algn="ctr"/>
+            <a:endParaRPr lang="en-US" dirty="0"/>
+          </a:p>
+        </p:txBody>
+      </p:sp>
+      <p:sp>
+        <p:nvSpPr>
+          <p:cNvPr id="2" name="Titel 1">
+            <a:extLst>
+              <a:ext uri="{FF2B5EF4-FFF2-40B4-BE49-F238E27FC236}">
+                <a16:creationId xmlns:a16="http://schemas.microsoft.com/office/drawing/2014/main" id="{6F4311D8-2695-43A1-9AD0-053DF76D52EE}"/>
+              </a:ext>
+            </a:extLst>
+          </p:cNvPr>
+          <p:cNvSpPr>
+            <a:spLocks noGrp="1"/>
+          </p:cNvSpPr>
+          <p:nvPr>
+            <p:ph type="title"/>
+          </p:nvPr>
+        </p:nvSpPr>
+        <p:spPr>
+          <a:xfrm>
+            <a:off x="826396" y="586855"/>
+            <a:ext cx="4230100" cy="3387497"/>
+          </a:xfrm>
+        </p:spPr>
+        <p:txBody>
+          <a:bodyPr anchor="b">
+            <a:normAutofit/>
+          </a:bodyPr>
+          <a:lstStyle/>
+          <a:p>
+            <a:pPr algn="r"/>
+            <a:r>
+              <a:rPr lang="de-DE" sz="4000" dirty="0">
+                <a:solidFill>
+                  <a:srgbClr val="FFFFFF"/>
+                </a:solidFill>
+              </a:rPr>
+              <a:t>Data </a:t>
+            </a:r>
+            <a:r>
+              <a:rPr lang="de-DE" sz="4000" dirty="0" err="1">
+                <a:solidFill>
+                  <a:srgbClr val="FFFFFF"/>
+                </a:solidFill>
+              </a:rPr>
+              <a:t>Visualization</a:t>
+            </a:r>
+            <a:endParaRPr lang="de-DE" sz="4000" dirty="0">
+              <a:solidFill>
+                <a:srgbClr val="FFFFFF"/>
+              </a:solidFill>
+            </a:endParaRPr>
+          </a:p>
+        </p:txBody>
+      </p:sp>
+      <p:sp>
+        <p:nvSpPr>
+          <p:cNvPr id="3" name="Inhaltsplatzhalter 2">
+            <a:extLst>
+              <a:ext uri="{FF2B5EF4-FFF2-40B4-BE49-F238E27FC236}">
+                <a16:creationId xmlns:a16="http://schemas.microsoft.com/office/drawing/2014/main" id="{DDBD2AC2-3F1E-60B4-5CDE-472C10B54F08}"/>
+              </a:ext>
+            </a:extLst>
+          </p:cNvPr>
+          <p:cNvSpPr>
+            <a:spLocks noGrp="1"/>
+          </p:cNvSpPr>
+          <p:nvPr>
+            <p:ph idx="1"/>
+          </p:nvPr>
+        </p:nvSpPr>
+        <p:spPr>
+          <a:xfrm>
+            <a:off x="6503158" y="649480"/>
+            <a:ext cx="4862447" cy="5546047"/>
+          </a:xfrm>
+        </p:spPr>
+        <p:txBody>
+          <a:bodyPr vert="horz" lIns="91440" tIns="45720" rIns="91440" bIns="45720" rtlCol="0" anchor="ctr">
+            <a:normAutofit/>
+          </a:bodyPr>
+          <a:lstStyle/>
+          <a:p>
+            <a:r>
+              <a:rPr lang="en-GB" sz="2000" noProof="0" dirty="0"/>
+              <a:t>incomplete datasets </a:t>
+            </a:r>
+          </a:p>
+          <a:p>
+            <a:pPr lvl="1">
+              <a:buFont typeface="Courier New" panose="02070309020205020404" pitchFamily="49" charset="0"/>
+              <a:buChar char="o"/>
+            </a:pPr>
+            <a:r>
+              <a:rPr lang="en-GB" sz="2000" noProof="0" dirty="0"/>
+              <a:t>search for missing data</a:t>
+            </a:r>
+          </a:p>
+          <a:p>
+            <a:r>
+              <a:rPr lang="en-GB" sz="2000" noProof="0" dirty="0"/>
+              <a:t>most RQs result in line charts</a:t>
+            </a:r>
+          </a:p>
+          <a:p>
+            <a:r>
+              <a:rPr lang="en-GB" sz="2000" noProof="0" dirty="0"/>
+              <a:t>RQs that don‘t result in a chart </a:t>
+            </a:r>
+          </a:p>
+          <a:p>
+            <a:pPr lvl="1">
+              <a:buFont typeface="Wingdings" panose="05000000000000000000" pitchFamily="2" charset="2"/>
+              <a:buChar char="Ø"/>
+            </a:pPr>
+            <a:r>
+              <a:rPr lang="en-GB" sz="2000" noProof="0" dirty="0"/>
+              <a:t>only check if two events are stochastically (in)dependent</a:t>
+            </a:r>
+          </a:p>
+          <a:p>
+            <a:r>
+              <a:rPr lang="en-GB" sz="2000" noProof="0" dirty="0"/>
+              <a:t>overloaded visualizations </a:t>
+            </a:r>
+          </a:p>
+          <a:p>
+            <a:pPr lvl="1">
+              <a:buFont typeface="Courier New" panose="02070309020205020404" pitchFamily="49" charset="0"/>
+              <a:buChar char="o"/>
+            </a:pPr>
+            <a:r>
+              <a:rPr lang="en-GB" sz="2000" noProof="0" dirty="0"/>
+              <a:t>separate into different visualizations</a:t>
+            </a:r>
+          </a:p>
+          <a:p>
+            <a:pPr lvl="1">
+              <a:buFont typeface="Courier New" panose="02070309020205020404" pitchFamily="49" charset="0"/>
+              <a:buChar char="o"/>
+            </a:pPr>
+            <a:r>
+              <a:rPr lang="en-GB" sz="2000" noProof="0" dirty="0"/>
+              <a:t>only visualize the important categories</a:t>
+            </a:r>
+          </a:p>
+          <a:p>
+            <a:r>
+              <a:rPr lang="en-GB" sz="2000" noProof="0" dirty="0" err="1"/>
+              <a:t>Jupyter</a:t>
+            </a:r>
+            <a:r>
+              <a:rPr lang="en-GB" sz="2000" noProof="0" dirty="0"/>
+              <a:t> Notebooks could not be executed (path not resolvable)</a:t>
+            </a:r>
+          </a:p>
+          <a:p>
+            <a:pPr lvl="1">
+              <a:buFont typeface="Courier New" panose="02070309020205020404" pitchFamily="49" charset="0"/>
+              <a:buChar char="o"/>
+            </a:pPr>
+            <a:r>
+              <a:rPr lang="en-GB" sz="2000" noProof="0" dirty="0"/>
+              <a:t> use .</a:t>
+            </a:r>
+            <a:r>
+              <a:rPr lang="en-GB" sz="2000" noProof="0" dirty="0" err="1"/>
+              <a:t>py</a:t>
+            </a:r>
+            <a:r>
+              <a:rPr lang="en-GB" sz="2000" noProof="0" dirty="0"/>
+              <a:t> files</a:t>
+            </a:r>
+          </a:p>
+          <a:p>
+            <a:endParaRPr lang="de-DE" sz="2000" dirty="0"/>
+          </a:p>
+        </p:txBody>
+      </p:sp>
+    </p:spTree>
+    <p:extLst>
+      <p:ext uri="{BB962C8B-B14F-4D97-AF65-F5344CB8AC3E}">
+        <p14:creationId xmlns:p14="http://schemas.microsoft.com/office/powerpoint/2010/main" val="365652044"/>
+      </p:ext>
+    </p:extLst>
+  </p:cSld>
+  <p:clrMapOvr>
+    <a:masterClrMapping/>
+  </p:clrMapOvr>
+</p:sld>
+</file>
+
+<file path=ppt/slides/slide6.xml><?xml version="1.0" encoding="utf-8"?>
 <p:sld xmlns:a="http://schemas.openxmlformats.org/drawingml/2006/main" xmlns:r="http://schemas.openxmlformats.org/officeDocument/2006/relationships" xmlns:p="http://schemas.openxmlformats.org/presentationml/2006/main">
   <p:cSld>
     <p:bg>
@@ -4771,7 +7291,7 @@
                   <a:srgbClr val="FFFFFF"/>
                 </a:solidFill>
               </a:rPr>
-              <a:t>current</a:t>
+              <a:t>Current</a:t>
             </a:r>
             <a:r>
               <a:rPr lang="de-DE" sz="4000" dirty="0">
@@ -4787,8 +7307,13 @@
                   <a:srgbClr val="FFFFFF"/>
                 </a:solidFill>
               </a:rPr>
-              <a:t>hurdles</a:t>
-            </a:r>
+              <a:t>Hurdles</a:t>
+            </a:r>
+            <a:endParaRPr lang="de-DE" sz="4000" dirty="0">
+              <a:solidFill>
+                <a:srgbClr val="FFFFFF"/>
+              </a:solidFill>
+            </a:endParaRPr>
           </a:p>
         </p:txBody>
       </p:sp>
@@ -4825,8 +7350,8 @@
               <a:buChar char="•"/>
             </a:pPr>
             <a:r>
-              <a:rPr lang="de-DE" sz="2000" dirty="0" err="1"/>
-              <a:t>Bla</a:t>
+              <a:rPr lang="en-GB" sz="2000" noProof="0" dirty="0"/>
+              <a:t>README.md file documentation</a:t>
             </a:r>
           </a:p>
           <a:p>
@@ -4835,10 +7360,9 @@
               <a:buChar char="•"/>
             </a:pPr>
             <a:r>
-              <a:rPr lang="de-DE" sz="2000" dirty="0" err="1"/>
-              <a:t>Bli</a:t>
-            </a:r>
-            <a:endParaRPr lang="de-DE" sz="2000"/>
+              <a:rPr lang="en-GB" sz="2000" dirty="0"/>
+              <a:t>deploy and build website</a:t>
+            </a:r>
           </a:p>
           <a:p>
             <a:pPr>
@@ -4846,10 +7370,10 @@
               <a:buChar char="•"/>
             </a:pPr>
             <a:r>
-              <a:rPr lang="de-DE" sz="2000" dirty="0"/>
-              <a:t>Blubb</a:t>
-            </a:r>
-            <a:endParaRPr lang="de-DE" dirty="0"/>
+              <a:rPr lang="en-GB" sz="2000" dirty="0"/>
+              <a:t>finish the visualizations</a:t>
+            </a:r>
+            <a:endParaRPr lang="en-GB" sz="2000" noProof="0" dirty="0"/>
           </a:p>
         </p:txBody>
       </p:sp>
@@ -4866,7 +7390,7 @@
 </p:sld>
 </file>
 
-<file path=ppt/slides/slide4.xml><?xml version="1.0" encoding="utf-8"?>
+<file path=ppt/slides/slide7.xml><?xml version="1.0" encoding="utf-8"?>
 <p:sld xmlns:a="http://schemas.openxmlformats.org/drawingml/2006/main" xmlns:r="http://schemas.openxmlformats.org/officeDocument/2006/relationships" xmlns:p="http://schemas.openxmlformats.org/presentationml/2006/main">
   <p:cSld>
     <p:bg>
@@ -5385,7 +7909,7 @@
                 <a:ea typeface="+mj-lt"/>
                 <a:cs typeface="+mj-lt"/>
               </a:rPr>
-              <a:t>upcoming</a:t>
+              <a:t>Upcoming</a:t>
             </a:r>
             <a:r>
               <a:rPr lang="de-DE" sz="4000" dirty="0">
@@ -5405,9 +7929,9 @@
                 <a:ea typeface="+mj-lt"/>
                 <a:cs typeface="+mj-lt"/>
               </a:rPr>
-              <a:t>steps</a:t>
-            </a:r>
-            <a:endParaRPr lang="de-DE" dirty="0" err="1"/>
+              <a:t>Steps</a:t>
+            </a:r>
+            <a:endParaRPr lang="de-DE" dirty="0"/>
           </a:p>
         </p:txBody>
       </p:sp>
@@ -5444,8 +7968,8 @@
               <a:buChar char="•"/>
             </a:pPr>
             <a:r>
-              <a:rPr lang="de-DE" sz="2000" err="1"/>
-              <a:t>Bla</a:t>
+              <a:rPr lang="en-GB" sz="2000" noProof="0" dirty="0"/>
+              <a:t>visualization of results for each RQ</a:t>
             </a:r>
           </a:p>
           <a:p>
@@ -5454,10 +7978,9 @@
               <a:buChar char="•"/>
             </a:pPr>
             <a:r>
-              <a:rPr lang="de-DE" sz="2000" dirty="0" err="1"/>
-              <a:t>Bli</a:t>
-            </a:r>
-            <a:endParaRPr lang="de-DE" sz="2000"/>
+              <a:rPr lang="en-GB" sz="2000" noProof="0" dirty="0"/>
+              <a:t>write explanatory texts for website</a:t>
+            </a:r>
           </a:p>
           <a:p>
             <a:pPr>
@@ -5465,10 +7988,10 @@
               <a:buChar char="•"/>
             </a:pPr>
             <a:r>
-              <a:rPr lang="de-DE" sz="2000" dirty="0"/>
-              <a:t>Blubb</a:t>
-            </a:r>
-            <a:endParaRPr lang="de-DE" dirty="0"/>
+              <a:rPr lang="en-GB" sz="2000" dirty="0"/>
+              <a:t>build repository for website</a:t>
+            </a:r>
+            <a:endParaRPr lang="en-GB" sz="2000" noProof="0" dirty="0"/>
           </a:p>
         </p:txBody>
       </p:sp>
@@ -5476,6 +7999,720 @@
     <p:extLst>
       <p:ext uri="{BB962C8B-B14F-4D97-AF65-F5344CB8AC3E}">
         <p14:creationId xmlns:p14="http://schemas.microsoft.com/office/powerpoint/2010/main" val="3770381505"/>
+      </p:ext>
+    </p:extLst>
+  </p:cSld>
+  <p:clrMapOvr>
+    <a:masterClrMapping/>
+  </p:clrMapOvr>
+</p:sld>
+</file>
+
+<file path=ppt/slides/slide8.xml><?xml version="1.0" encoding="utf-8"?>
+<p:sld xmlns:a="http://schemas.openxmlformats.org/drawingml/2006/main" xmlns:r="http://schemas.openxmlformats.org/officeDocument/2006/relationships" xmlns:p="http://schemas.openxmlformats.org/presentationml/2006/main">
+  <p:cSld>
+    <p:bg>
+      <p:bgPr>
+        <a:solidFill>
+          <a:schemeClr val="bg1"/>
+        </a:solidFill>
+        <a:effectLst/>
+      </p:bgPr>
+    </p:bg>
+    <p:spTree>
+      <p:nvGrpSpPr>
+        <p:cNvPr id="1" name="">
+          <a:extLst>
+            <a:ext uri="{FF2B5EF4-FFF2-40B4-BE49-F238E27FC236}">
+              <a16:creationId xmlns:a16="http://schemas.microsoft.com/office/drawing/2014/main" id="{F3EAE69C-558E-5F4F-7C30-ED551F88E8F7}"/>
+            </a:ext>
+          </a:extLst>
+        </p:cNvPr>
+        <p:cNvGrpSpPr/>
+        <p:nvPr/>
+      </p:nvGrpSpPr>
+      <p:grpSpPr>
+        <a:xfrm>
+          <a:off x="0" y="0"/>
+          <a:ext cx="0" cy="0"/>
+          <a:chOff x="0" y="0"/>
+          <a:chExt cx="0" cy="0"/>
+        </a:xfrm>
+      </p:grpSpPr>
+      <p:sp useBgFill="1">
+        <p:nvSpPr>
+          <p:cNvPr id="25" name="Rectangle 24">
+            <a:extLst>
+              <a:ext uri="{FF2B5EF4-FFF2-40B4-BE49-F238E27FC236}">
+                <a16:creationId xmlns:a16="http://schemas.microsoft.com/office/drawing/2014/main" id="{ED6AAB56-542F-AAB7-6853-95CE6904B932}"/>
+              </a:ext>
+              <a:ext uri="{C183D7F6-B498-43B3-948B-1728B52AA6E4}">
+                <adec:decorative xmlns:adec="http://schemas.microsoft.com/office/drawing/2017/decorative" val="1"/>
+              </a:ext>
+            </a:extLst>
+          </p:cNvPr>
+          <p:cNvSpPr>
+            <a:spLocks noGrp="1" noRot="1" noChangeAspect="1" noMove="1" noResize="1" noEditPoints="1" noAdjustHandles="1" noChangeArrowheads="1" noChangeShapeType="1" noTextEdit="1"/>
+          </p:cNvSpPr>
+          <p:nvPr>
+            <p:extLst>
+              <p:ext uri="{386F3935-93C4-4BCD-93E2-E3B085C9AB24}">
+                <p16:designElem xmlns:p16="http://schemas.microsoft.com/office/powerpoint/2015/main" val="1"/>
+              </p:ext>
+            </p:extLst>
+          </p:nvPr>
+        </p:nvSpPr>
+        <p:spPr>
+          <a:xfrm>
+            <a:off x="0" y="0"/>
+            <a:ext cx="12192000" cy="6858000"/>
+          </a:xfrm>
+          <a:prstGeom prst="rect">
+            <a:avLst/>
+          </a:prstGeom>
+          <a:ln w="12700" cap="flat" cmpd="sng" algn="ctr">
+            <a:noFill/>
+            <a:prstDash val="solid"/>
+            <a:miter lim="800000"/>
+          </a:ln>
+          <a:effectLst/>
+          <a:extLst>
+            <a:ext uri="{91240B29-F687-4F45-9708-019B960494DF}">
+              <a14:hiddenLine xmlns:a14="http://schemas.microsoft.com/office/drawing/2010/main" w="12700" cap="flat" cmpd="sng" algn="ctr">
+                <a:solidFill>
+                  <a:schemeClr val="accent1">
+                    <a:shade val="50000"/>
+                  </a:schemeClr>
+                </a:solidFill>
+                <a:prstDash val="solid"/>
+                <a:miter lim="800000"/>
+              </a14:hiddenLine>
+            </a:ext>
+          </a:extLst>
+        </p:spPr>
+        <p:style>
+          <a:lnRef idx="2">
+            <a:schemeClr val="accent1">
+              <a:shade val="50000"/>
+            </a:schemeClr>
+          </a:lnRef>
+          <a:fillRef idx="1">
+            <a:schemeClr val="accent1"/>
+          </a:fillRef>
+          <a:effectRef idx="0">
+            <a:schemeClr val="accent1"/>
+          </a:effectRef>
+          <a:fontRef idx="minor">
+            <a:schemeClr val="lt1"/>
+          </a:fontRef>
+        </p:style>
+        <p:txBody>
+          <a:bodyPr rtlCol="0" anchor="ctr"/>
+          <a:lstStyle/>
+          <a:p>
+            <a:pPr algn="ctr"/>
+            <a:endParaRPr lang="en-US"/>
+          </a:p>
+        </p:txBody>
+      </p:sp>
+      <p:sp>
+        <p:nvSpPr>
+          <p:cNvPr id="27" name="Rectangle 26">
+            <a:extLst>
+              <a:ext uri="{FF2B5EF4-FFF2-40B4-BE49-F238E27FC236}">
+                <a16:creationId xmlns:a16="http://schemas.microsoft.com/office/drawing/2014/main" id="{1660F6B6-8021-6E39-2F57-E5EC76EA22A8}"/>
+              </a:ext>
+              <a:ext uri="{C183D7F6-B498-43B3-948B-1728B52AA6E4}">
+                <adec:decorative xmlns:adec="http://schemas.microsoft.com/office/drawing/2017/decorative" val="1"/>
+              </a:ext>
+            </a:extLst>
+          </p:cNvPr>
+          <p:cNvSpPr>
+            <a:spLocks noGrp="1" noRot="1" noChangeAspect="1" noMove="1" noResize="1" noEditPoints="1" noAdjustHandles="1" noChangeArrowheads="1" noChangeShapeType="1" noTextEdit="1"/>
+          </p:cNvSpPr>
+          <p:nvPr>
+            <p:extLst>
+              <p:ext uri="{386F3935-93C4-4BCD-93E2-E3B085C9AB24}">
+                <p16:designElem xmlns:p16="http://schemas.microsoft.com/office/powerpoint/2015/main" val="1"/>
+              </p:ext>
+            </p:extLst>
+          </p:nvPr>
+        </p:nvSpPr>
+        <p:spPr>
+          <a:xfrm rot="10800000">
+            <a:off x="-11723" y="-1"/>
+            <a:ext cx="12225953" cy="6868071"/>
+          </a:xfrm>
+          <a:prstGeom prst="rect">
+            <a:avLst/>
+          </a:prstGeom>
+          <a:gradFill>
+            <a:gsLst>
+              <a:gs pos="0">
+                <a:srgbClr val="000000"/>
+              </a:gs>
+              <a:gs pos="100000">
+                <a:schemeClr val="accent1">
+                  <a:lumMod val="75000"/>
+                </a:schemeClr>
+              </a:gs>
+            </a:gsLst>
+            <a:lin ang="4200000" scaled="0"/>
+          </a:gradFill>
+          <a:ln>
+            <a:noFill/>
+          </a:ln>
+        </p:spPr>
+        <p:style>
+          <a:lnRef idx="2">
+            <a:schemeClr val="accent1">
+              <a:shade val="50000"/>
+            </a:schemeClr>
+          </a:lnRef>
+          <a:fillRef idx="1">
+            <a:schemeClr val="accent1"/>
+          </a:fillRef>
+          <a:effectRef idx="0">
+            <a:schemeClr val="accent1"/>
+          </a:effectRef>
+          <a:fontRef idx="minor">
+            <a:schemeClr val="lt1"/>
+          </a:fontRef>
+        </p:style>
+        <p:txBody>
+          <a:bodyPr rtlCol="0" anchor="ctr"/>
+          <a:lstStyle/>
+          <a:p>
+            <a:pPr algn="ctr"/>
+            <a:endParaRPr lang="en-US"/>
+          </a:p>
+        </p:txBody>
+      </p:sp>
+      <p:sp>
+        <p:nvSpPr>
+          <p:cNvPr id="29" name="Rectangle 28">
+            <a:extLst>
+              <a:ext uri="{FF2B5EF4-FFF2-40B4-BE49-F238E27FC236}">
+                <a16:creationId xmlns:a16="http://schemas.microsoft.com/office/drawing/2014/main" id="{6EF1BBAC-A339-03F8-E95D-9E7E157F4FFF}"/>
+              </a:ext>
+              <a:ext uri="{C183D7F6-B498-43B3-948B-1728B52AA6E4}">
+                <adec:decorative xmlns:adec="http://schemas.microsoft.com/office/drawing/2017/decorative" val="1"/>
+              </a:ext>
+            </a:extLst>
+          </p:cNvPr>
+          <p:cNvSpPr>
+            <a:spLocks noGrp="1" noRot="1" noChangeAspect="1" noMove="1" noResize="1" noEditPoints="1" noAdjustHandles="1" noChangeArrowheads="1" noChangeShapeType="1" noTextEdit="1"/>
+          </p:cNvSpPr>
+          <p:nvPr>
+            <p:extLst>
+              <p:ext uri="{386F3935-93C4-4BCD-93E2-E3B085C9AB24}">
+                <p16:designElem xmlns:p16="http://schemas.microsoft.com/office/powerpoint/2015/main" val="1"/>
+              </p:ext>
+            </p:extLst>
+          </p:nvPr>
+        </p:nvSpPr>
+        <p:spPr>
+          <a:xfrm rot="10800000" flipH="1">
+            <a:off x="441959" y="-3"/>
+            <a:ext cx="11772269" cy="6868074"/>
+          </a:xfrm>
+          <a:prstGeom prst="rect">
+            <a:avLst/>
+          </a:prstGeom>
+          <a:gradFill>
+            <a:gsLst>
+              <a:gs pos="21000">
+                <a:schemeClr val="accent1">
+                  <a:lumMod val="50000"/>
+                  <a:alpha val="83000"/>
+                </a:schemeClr>
+              </a:gs>
+              <a:gs pos="100000">
+                <a:schemeClr val="accent1">
+                  <a:alpha val="0"/>
+                </a:schemeClr>
+              </a:gs>
+            </a:gsLst>
+            <a:lin ang="8400000" scaled="0"/>
+          </a:gradFill>
+          <a:ln>
+            <a:noFill/>
+          </a:ln>
+        </p:spPr>
+        <p:style>
+          <a:lnRef idx="2">
+            <a:schemeClr val="accent1">
+              <a:shade val="50000"/>
+            </a:schemeClr>
+          </a:lnRef>
+          <a:fillRef idx="1">
+            <a:schemeClr val="accent1"/>
+          </a:fillRef>
+          <a:effectRef idx="0">
+            <a:schemeClr val="accent1"/>
+          </a:effectRef>
+          <a:fontRef idx="minor">
+            <a:schemeClr val="lt1"/>
+          </a:fontRef>
+        </p:style>
+        <p:txBody>
+          <a:bodyPr rtlCol="0" anchor="ctr"/>
+          <a:lstStyle/>
+          <a:p>
+            <a:pPr algn="ctr"/>
+            <a:endParaRPr lang="en-US"/>
+          </a:p>
+        </p:txBody>
+      </p:sp>
+      <p:sp>
+        <p:nvSpPr>
+          <p:cNvPr id="31" name="Rectangle 30">
+            <a:extLst>
+              <a:ext uri="{FF2B5EF4-FFF2-40B4-BE49-F238E27FC236}">
+                <a16:creationId xmlns:a16="http://schemas.microsoft.com/office/drawing/2014/main" id="{A50430DD-5024-A7D7-E7FE-3E645736C142}"/>
+              </a:ext>
+              <a:ext uri="{C183D7F6-B498-43B3-948B-1728B52AA6E4}">
+                <adec:decorative xmlns:adec="http://schemas.microsoft.com/office/drawing/2017/decorative" val="1"/>
+              </a:ext>
+            </a:extLst>
+          </p:cNvPr>
+          <p:cNvSpPr>
+            <a:spLocks noGrp="1" noRot="1" noChangeAspect="1" noMove="1" noResize="1" noEditPoints="1" noAdjustHandles="1" noChangeArrowheads="1" noChangeShapeType="1" noTextEdit="1"/>
+          </p:cNvSpPr>
+          <p:nvPr>
+            <p:extLst>
+              <p:ext uri="{386F3935-93C4-4BCD-93E2-E3B085C9AB24}">
+                <p16:designElem xmlns:p16="http://schemas.microsoft.com/office/powerpoint/2015/main" val="1"/>
+              </p:ext>
+            </p:extLst>
+          </p:nvPr>
+        </p:nvSpPr>
+        <p:spPr>
+          <a:xfrm rot="10800000">
+            <a:off x="-15200" y="0"/>
+            <a:ext cx="3623374" cy="6868072"/>
+          </a:xfrm>
+          <a:prstGeom prst="rect">
+            <a:avLst/>
+          </a:prstGeom>
+          <a:gradFill>
+            <a:gsLst>
+              <a:gs pos="0">
+                <a:schemeClr val="accent1">
+                  <a:lumMod val="75000"/>
+                  <a:alpha val="0"/>
+                </a:schemeClr>
+              </a:gs>
+              <a:gs pos="99000">
+                <a:srgbClr val="000000">
+                  <a:alpha val="41000"/>
+                </a:srgbClr>
+              </a:gs>
+            </a:gsLst>
+            <a:lin ang="13200000" scaled="0"/>
+          </a:gradFill>
+          <a:ln>
+            <a:noFill/>
+          </a:ln>
+        </p:spPr>
+        <p:style>
+          <a:lnRef idx="2">
+            <a:schemeClr val="accent1">
+              <a:shade val="50000"/>
+            </a:schemeClr>
+          </a:lnRef>
+          <a:fillRef idx="1">
+            <a:schemeClr val="accent1"/>
+          </a:fillRef>
+          <a:effectRef idx="0">
+            <a:schemeClr val="accent1"/>
+          </a:effectRef>
+          <a:fontRef idx="minor">
+            <a:schemeClr val="lt1"/>
+          </a:fontRef>
+        </p:style>
+        <p:txBody>
+          <a:bodyPr rtlCol="0" anchor="ctr"/>
+          <a:lstStyle/>
+          <a:p>
+            <a:pPr algn="ctr"/>
+            <a:endParaRPr lang="en-US"/>
+          </a:p>
+        </p:txBody>
+      </p:sp>
+      <p:sp>
+        <p:nvSpPr>
+          <p:cNvPr id="33" name="Rectangle 32">
+            <a:extLst>
+              <a:ext uri="{FF2B5EF4-FFF2-40B4-BE49-F238E27FC236}">
+                <a16:creationId xmlns:a16="http://schemas.microsoft.com/office/drawing/2014/main" id="{893333B1-4912-C10A-1493-642BF21433CE}"/>
+              </a:ext>
+              <a:ext uri="{C183D7F6-B498-43B3-948B-1728B52AA6E4}">
+                <adec:decorative xmlns:adec="http://schemas.microsoft.com/office/drawing/2017/decorative" val="1"/>
+              </a:ext>
+            </a:extLst>
+          </p:cNvPr>
+          <p:cNvSpPr>
+            <a:spLocks noGrp="1" noRot="1" noChangeAspect="1" noMove="1" noResize="1" noEditPoints="1" noAdjustHandles="1" noChangeArrowheads="1" noChangeShapeType="1" noTextEdit="1"/>
+          </p:cNvSpPr>
+          <p:nvPr>
+            <p:extLst>
+              <p:ext uri="{386F3935-93C4-4BCD-93E2-E3B085C9AB24}">
+                <p16:designElem xmlns:p16="http://schemas.microsoft.com/office/powerpoint/2015/main" val="1"/>
+              </p:ext>
+            </p:extLst>
+          </p:nvPr>
+        </p:nvSpPr>
+        <p:spPr>
+          <a:xfrm flipH="1">
+            <a:off x="-15875" y="-3"/>
+            <a:ext cx="12233581" cy="6868076"/>
+          </a:xfrm>
+          <a:prstGeom prst="rect">
+            <a:avLst/>
+          </a:prstGeom>
+          <a:gradFill>
+            <a:gsLst>
+              <a:gs pos="3000">
+                <a:schemeClr val="accent1">
+                  <a:lumMod val="75000"/>
+                  <a:alpha val="0"/>
+                </a:schemeClr>
+              </a:gs>
+              <a:gs pos="100000">
+                <a:srgbClr val="000000">
+                  <a:alpha val="73000"/>
+                </a:srgbClr>
+              </a:gs>
+            </a:gsLst>
+            <a:lin ang="17400000" scaled="0"/>
+          </a:gradFill>
+          <a:ln>
+            <a:noFill/>
+          </a:ln>
+        </p:spPr>
+        <p:style>
+          <a:lnRef idx="2">
+            <a:schemeClr val="accent1">
+              <a:shade val="50000"/>
+            </a:schemeClr>
+          </a:lnRef>
+          <a:fillRef idx="1">
+            <a:schemeClr val="accent1"/>
+          </a:fillRef>
+          <a:effectRef idx="0">
+            <a:schemeClr val="accent1"/>
+          </a:effectRef>
+          <a:fontRef idx="minor">
+            <a:schemeClr val="lt1"/>
+          </a:fontRef>
+        </p:style>
+        <p:txBody>
+          <a:bodyPr rtlCol="0" anchor="ctr"/>
+          <a:lstStyle/>
+          <a:p>
+            <a:pPr algn="ctr"/>
+            <a:endParaRPr lang="en-US"/>
+          </a:p>
+        </p:txBody>
+      </p:sp>
+      <p:sp>
+        <p:nvSpPr>
+          <p:cNvPr id="35" name="Rectangle 34">
+            <a:extLst>
+              <a:ext uri="{FF2B5EF4-FFF2-40B4-BE49-F238E27FC236}">
+                <a16:creationId xmlns:a16="http://schemas.microsoft.com/office/drawing/2014/main" id="{2EAEDEA3-C874-0F14-3869-92055FBB497D}"/>
+              </a:ext>
+              <a:ext uri="{C183D7F6-B498-43B3-948B-1728B52AA6E4}">
+                <adec:decorative xmlns:adec="http://schemas.microsoft.com/office/drawing/2017/decorative" val="1"/>
+              </a:ext>
+            </a:extLst>
+          </p:cNvPr>
+          <p:cNvSpPr>
+            <a:spLocks noGrp="1" noRot="1" noChangeAspect="1" noMove="1" noResize="1" noEditPoints="1" noAdjustHandles="1" noChangeArrowheads="1" noChangeShapeType="1" noTextEdit="1"/>
+          </p:cNvSpPr>
+          <p:nvPr>
+            <p:extLst>
+              <p:ext uri="{386F3935-93C4-4BCD-93E2-E3B085C9AB24}">
+                <p16:designElem xmlns:p16="http://schemas.microsoft.com/office/powerpoint/2015/main" val="1"/>
+              </p:ext>
+            </p:extLst>
+          </p:nvPr>
+        </p:nvSpPr>
+        <p:spPr>
+          <a:xfrm rot="5400000" flipH="1">
+            <a:off x="4484334" y="-861824"/>
+            <a:ext cx="6861931" cy="8597859"/>
+          </a:xfrm>
+          <a:prstGeom prst="rect">
+            <a:avLst/>
+          </a:prstGeom>
+          <a:gradFill>
+            <a:gsLst>
+              <a:gs pos="3000">
+                <a:schemeClr val="accent1">
+                  <a:lumMod val="75000"/>
+                  <a:alpha val="0"/>
+                </a:schemeClr>
+              </a:gs>
+              <a:gs pos="100000">
+                <a:srgbClr val="000000">
+                  <a:alpha val="27000"/>
+                </a:srgbClr>
+              </a:gs>
+            </a:gsLst>
+            <a:lin ang="13800000" scaled="0"/>
+          </a:gradFill>
+          <a:ln>
+            <a:noFill/>
+          </a:ln>
+        </p:spPr>
+        <p:style>
+          <a:lnRef idx="2">
+            <a:schemeClr val="accent1">
+              <a:shade val="50000"/>
+            </a:schemeClr>
+          </a:lnRef>
+          <a:fillRef idx="1">
+            <a:schemeClr val="accent1"/>
+          </a:fillRef>
+          <a:effectRef idx="0">
+            <a:schemeClr val="accent1"/>
+          </a:effectRef>
+          <a:fontRef idx="minor">
+            <a:schemeClr val="lt1"/>
+          </a:fontRef>
+        </p:style>
+        <p:txBody>
+          <a:bodyPr rtlCol="0" anchor="ctr"/>
+          <a:lstStyle/>
+          <a:p>
+            <a:pPr algn="ctr"/>
+            <a:endParaRPr lang="en-US"/>
+          </a:p>
+        </p:txBody>
+      </p:sp>
+      <p:sp>
+        <p:nvSpPr>
+          <p:cNvPr id="37" name="Oval 36">
+            <a:extLst>
+              <a:ext uri="{FF2B5EF4-FFF2-40B4-BE49-F238E27FC236}">
+                <a16:creationId xmlns:a16="http://schemas.microsoft.com/office/drawing/2014/main" id="{5820FCA5-82EF-C8A3-46B0-60CF4D09154E}"/>
+              </a:ext>
+              <a:ext uri="{C183D7F6-B498-43B3-948B-1728B52AA6E4}">
+                <adec:decorative xmlns:adec="http://schemas.microsoft.com/office/drawing/2017/decorative" val="1"/>
+              </a:ext>
+            </a:extLst>
+          </p:cNvPr>
+          <p:cNvSpPr>
+            <a:spLocks noGrp="1" noRot="1" noChangeAspect="1" noMove="1" noResize="1" noEditPoints="1" noAdjustHandles="1" noChangeArrowheads="1" noChangeShapeType="1" noTextEdit="1"/>
+          </p:cNvSpPr>
+          <p:nvPr>
+            <p:extLst>
+              <p:ext uri="{386F3935-93C4-4BCD-93E2-E3B085C9AB24}">
+                <p16:designElem xmlns:p16="http://schemas.microsoft.com/office/powerpoint/2015/main" val="1"/>
+              </p:ext>
+            </p:extLst>
+          </p:nvPr>
+        </p:nvSpPr>
+        <p:spPr>
+          <a:xfrm rot="5993193">
+            <a:off x="1186972" y="1089049"/>
+            <a:ext cx="4967533" cy="4988390"/>
+          </a:xfrm>
+          <a:prstGeom prst="ellipse">
+            <a:avLst/>
+          </a:prstGeom>
+          <a:gradFill>
+            <a:gsLst>
+              <a:gs pos="0">
+                <a:schemeClr val="accent1">
+                  <a:alpha val="26000"/>
+                </a:schemeClr>
+              </a:gs>
+              <a:gs pos="85000">
+                <a:schemeClr val="accent1">
+                  <a:lumMod val="60000"/>
+                  <a:lumOff val="40000"/>
+                  <a:alpha val="0"/>
+                </a:schemeClr>
+              </a:gs>
+            </a:gsLst>
+            <a:lin ang="14400000" scaled="0"/>
+          </a:gradFill>
+          <a:ln>
+            <a:noFill/>
+          </a:ln>
+        </p:spPr>
+        <p:style>
+          <a:lnRef idx="2">
+            <a:schemeClr val="accent1">
+              <a:shade val="50000"/>
+            </a:schemeClr>
+          </a:lnRef>
+          <a:fillRef idx="1">
+            <a:schemeClr val="accent1"/>
+          </a:fillRef>
+          <a:effectRef idx="0">
+            <a:schemeClr val="accent1"/>
+          </a:effectRef>
+          <a:fontRef idx="minor">
+            <a:schemeClr val="lt1"/>
+          </a:fontRef>
+        </p:style>
+        <p:txBody>
+          <a:bodyPr rtlCol="0" anchor="ctr"/>
+          <a:lstStyle/>
+          <a:p>
+            <a:pPr algn="ctr"/>
+            <a:endParaRPr lang="en-US" dirty="0"/>
+          </a:p>
+        </p:txBody>
+      </p:sp>
+      <p:sp>
+        <p:nvSpPr>
+          <p:cNvPr id="2" name="Titel 1">
+            <a:extLst>
+              <a:ext uri="{FF2B5EF4-FFF2-40B4-BE49-F238E27FC236}">
+                <a16:creationId xmlns:a16="http://schemas.microsoft.com/office/drawing/2014/main" id="{81FBB65D-E8E3-451D-BA0D-59D670787E51}"/>
+              </a:ext>
+            </a:extLst>
+          </p:cNvPr>
+          <p:cNvSpPr>
+            <a:spLocks noGrp="1"/>
+          </p:cNvSpPr>
+          <p:nvPr>
+            <p:ph type="ctrTitle"/>
+          </p:nvPr>
+        </p:nvSpPr>
+        <p:spPr>
+          <a:xfrm>
+            <a:off x="4162567" y="818984"/>
+            <a:ext cx="6714699" cy="3178689"/>
+          </a:xfrm>
+        </p:spPr>
+        <p:txBody>
+          <a:bodyPr>
+            <a:normAutofit/>
+          </a:bodyPr>
+          <a:lstStyle/>
+          <a:p>
+            <a:pPr algn="l"/>
+            <a:r>
+              <a:rPr lang="de-DE" sz="4800" dirty="0" err="1">
+                <a:solidFill>
+                  <a:srgbClr val="FFFFFF"/>
+                </a:solidFill>
+              </a:rPr>
+              <a:t>Have</a:t>
+            </a:r>
+            <a:r>
+              <a:rPr lang="de-DE" sz="4800" dirty="0">
+                <a:solidFill>
+                  <a:srgbClr val="FFFFFF"/>
+                </a:solidFill>
+              </a:rPr>
+              <a:t> a nice </a:t>
+            </a:r>
+            <a:r>
+              <a:rPr lang="de-DE" sz="4800" dirty="0" err="1">
+                <a:solidFill>
+                  <a:srgbClr val="FFFFFF"/>
+                </a:solidFill>
+              </a:rPr>
+              <a:t>weekend</a:t>
+            </a:r>
+            <a:r>
+              <a:rPr lang="de-DE" sz="4800" dirty="0">
+                <a:solidFill>
+                  <a:srgbClr val="FFFFFF"/>
+                </a:solidFill>
+              </a:rPr>
+              <a:t>!</a:t>
+            </a:r>
+          </a:p>
+        </p:txBody>
+      </p:sp>
+      <p:sp>
+        <p:nvSpPr>
+          <p:cNvPr id="39" name="Rectangle 38">
+            <a:extLst>
+              <a:ext uri="{FF2B5EF4-FFF2-40B4-BE49-F238E27FC236}">
+                <a16:creationId xmlns:a16="http://schemas.microsoft.com/office/drawing/2014/main" id="{C733A8BE-0A21-CCAD-F6DF-E1368006FC59}"/>
+              </a:ext>
+              <a:ext uri="{C183D7F6-B498-43B3-948B-1728B52AA6E4}">
+                <adec:decorative xmlns:adec="http://schemas.microsoft.com/office/drawing/2017/decorative" val="1"/>
+              </a:ext>
+            </a:extLst>
+          </p:cNvPr>
+          <p:cNvSpPr>
+            <a:spLocks noGrp="1" noRot="1" noChangeAspect="1" noMove="1" noResize="1" noEditPoints="1" noAdjustHandles="1" noChangeArrowheads="1" noChangeShapeType="1" noTextEdit="1"/>
+          </p:cNvSpPr>
+          <p:nvPr>
+            <p:extLst>
+              <p:ext uri="{386F3935-93C4-4BCD-93E2-E3B085C9AB24}">
+                <p16:designElem xmlns:p16="http://schemas.microsoft.com/office/powerpoint/2015/main" val="1"/>
+              </p:ext>
+            </p:extLst>
+          </p:nvPr>
+        </p:nvSpPr>
+        <p:spPr>
+          <a:xfrm flipH="1">
+            <a:off x="-3" y="4490110"/>
+            <a:ext cx="12217710" cy="2377962"/>
+          </a:xfrm>
+          <a:prstGeom prst="rect">
+            <a:avLst/>
+          </a:prstGeom>
+          <a:gradFill>
+            <a:gsLst>
+              <a:gs pos="0">
+                <a:schemeClr val="accent1">
+                  <a:lumMod val="75000"/>
+                  <a:alpha val="50000"/>
+                </a:schemeClr>
+              </a:gs>
+              <a:gs pos="99000">
+                <a:srgbClr val="000000">
+                  <a:alpha val="34000"/>
+                </a:srgbClr>
+              </a:gs>
+            </a:gsLst>
+            <a:lin ang="13200000" scaled="0"/>
+          </a:gradFill>
+          <a:ln>
+            <a:noFill/>
+          </a:ln>
+        </p:spPr>
+        <p:style>
+          <a:lnRef idx="2">
+            <a:schemeClr val="accent1">
+              <a:shade val="50000"/>
+            </a:schemeClr>
+          </a:lnRef>
+          <a:fillRef idx="1">
+            <a:schemeClr val="accent1"/>
+          </a:fillRef>
+          <a:effectRef idx="0">
+            <a:schemeClr val="accent1"/>
+          </a:effectRef>
+          <a:fontRef idx="minor">
+            <a:schemeClr val="lt1"/>
+          </a:fontRef>
+        </p:style>
+        <p:txBody>
+          <a:bodyPr rtlCol="0" anchor="ctr"/>
+          <a:lstStyle/>
+          <a:p>
+            <a:pPr algn="ctr"/>
+            <a:endParaRPr lang="en-US"/>
+          </a:p>
+        </p:txBody>
+      </p:sp>
+    </p:spTree>
+    <p:extLst>
+      <p:ext uri="{BB962C8B-B14F-4D97-AF65-F5344CB8AC3E}">
+        <p14:creationId xmlns:p14="http://schemas.microsoft.com/office/powerpoint/2010/main" val="1846014967"/>
       </p:ext>
     </p:extLst>
   </p:cSld>
@@ -5764,4 +9001,319 @@
     </a:ext>
   </a:extLst>
 </a:theme>
+</file>
+
+<file path=ppt/theme/theme2.xml><?xml version="1.0" encoding="utf-8"?>
+<a:theme xmlns:a="http://schemas.openxmlformats.org/drawingml/2006/main" name="Office">
+  <a:themeElements>
+    <a:clrScheme name="Office">
+      <a:dk1>
+        <a:sysClr val="windowText" lastClr="000000"/>
+      </a:dk1>
+      <a:lt1>
+        <a:sysClr val="window" lastClr="FFFFFF"/>
+      </a:lt1>
+      <a:dk2>
+        <a:srgbClr val="0E2841"/>
+      </a:dk2>
+      <a:lt2>
+        <a:srgbClr val="E8E8E8"/>
+      </a:lt2>
+      <a:accent1>
+        <a:srgbClr val="156082"/>
+      </a:accent1>
+      <a:accent2>
+        <a:srgbClr val="E97132"/>
+      </a:accent2>
+      <a:accent3>
+        <a:srgbClr val="196B24"/>
+      </a:accent3>
+      <a:accent4>
+        <a:srgbClr val="0F9ED5"/>
+      </a:accent4>
+      <a:accent5>
+        <a:srgbClr val="A02B93"/>
+      </a:accent5>
+      <a:accent6>
+        <a:srgbClr val="4EA72E"/>
+      </a:accent6>
+      <a:hlink>
+        <a:srgbClr val="467886"/>
+      </a:hlink>
+      <a:folHlink>
+        <a:srgbClr val="96607D"/>
+      </a:folHlink>
+    </a:clrScheme>
+    <a:fontScheme name="Office">
+      <a:majorFont>
+        <a:latin typeface="Aptos Display" panose="02110004020202020204"/>
+        <a:ea typeface=""/>
+        <a:cs typeface=""/>
+        <a:font script="Jpan" typeface="游ゴシック Light"/>
+        <a:font script="Hang" typeface="맑은 고딕"/>
+        <a:font script="Hans" typeface="等线 Light"/>
+        <a:font script="Hant" typeface="新細明體"/>
+        <a:font script="Arab" typeface="Times New Roman"/>
+        <a:font script="Hebr" typeface="Times New Roman"/>
+        <a:font script="Thai" typeface="Angsana New"/>
+        <a:font script="Ethi" typeface="Nyala"/>
+        <a:font script="Beng" typeface="Vrinda"/>
+        <a:font script="Gujr" typeface="Shruti"/>
+        <a:font script="Khmr" typeface="MoolBoran"/>
+        <a:font script="Knda" typeface="Tunga"/>
+        <a:font script="Guru" typeface="Raavi"/>
+        <a:font script="Cans" typeface="Euphemia"/>
+        <a:font script="Cher" typeface="Plantagenet Cherokee"/>
+        <a:font script="Yiii" typeface="Microsoft Yi Baiti"/>
+        <a:font script="Tibt" typeface="Microsoft Himalaya"/>
+        <a:font script="Thaa" typeface="MV Boli"/>
+        <a:font script="Deva" typeface="Mangal"/>
+        <a:font script="Telu" typeface="Gautami"/>
+        <a:font script="Taml" typeface="Latha"/>
+        <a:font script="Syrc" typeface="Estrangelo Edessa"/>
+        <a:font script="Orya" typeface="Kalinga"/>
+        <a:font script="Mlym" typeface="Kartika"/>
+        <a:font script="Laoo" typeface="DokChampa"/>
+        <a:font script="Sinh" typeface="Iskoola Pota"/>
+        <a:font script="Mong" typeface="Mongolian Baiti"/>
+        <a:font script="Viet" typeface="Times New Roman"/>
+        <a:font script="Uigh" typeface="Microsoft Uighur"/>
+        <a:font script="Geor" typeface="Sylfaen"/>
+        <a:font script="Armn" typeface="Arial"/>
+        <a:font script="Bugi" typeface="Leelawadee UI"/>
+        <a:font script="Bopo" typeface="Microsoft JhengHei"/>
+        <a:font script="Java" typeface="Javanese Text"/>
+        <a:font script="Lisu" typeface="Segoe UI"/>
+        <a:font script="Mymr" typeface="Myanmar Text"/>
+        <a:font script="Nkoo" typeface="Ebrima"/>
+        <a:font script="Olck" typeface="Nirmala UI"/>
+        <a:font script="Osma" typeface="Ebrima"/>
+        <a:font script="Phag" typeface="Phagspa"/>
+        <a:font script="Syrn" typeface="Estrangelo Edessa"/>
+        <a:font script="Syrj" typeface="Estrangelo Edessa"/>
+        <a:font script="Syre" typeface="Estrangelo Edessa"/>
+        <a:font script="Sora" typeface="Nirmala UI"/>
+        <a:font script="Tale" typeface="Microsoft Tai Le"/>
+        <a:font script="Talu" typeface="Microsoft New Tai Lue"/>
+        <a:font script="Tfng" typeface="Ebrima"/>
+      </a:majorFont>
+      <a:minorFont>
+        <a:latin typeface="Aptos" panose="02110004020202020204"/>
+        <a:ea typeface=""/>
+        <a:cs typeface=""/>
+        <a:font script="Jpan" typeface="游ゴシック"/>
+        <a:font script="Hang" typeface="맑은 고딕"/>
+        <a:font script="Hans" typeface="等线"/>
+        <a:font script="Hant" typeface="新細明體"/>
+        <a:font script="Arab" typeface="Arial"/>
+        <a:font script="Hebr" typeface="Arial"/>
+        <a:font script="Thai" typeface="Cordia New"/>
+        <a:font script="Ethi" typeface="Nyala"/>
+        <a:font script="Beng" typeface="Vrinda"/>
+        <a:font script="Gujr" typeface="Shruti"/>
+        <a:font script="Khmr" typeface="DaunPenh"/>
+        <a:font script="Knda" typeface="Tunga"/>
+        <a:font script="Guru" typeface="Raavi"/>
+        <a:font script="Cans" typeface="Euphemia"/>
+        <a:font script="Cher" typeface="Plantagenet Cherokee"/>
+        <a:font script="Yiii" typeface="Microsoft Yi Baiti"/>
+        <a:font script="Tibt" typeface="Microsoft Himalaya"/>
+        <a:font script="Thaa" typeface="MV Boli"/>
+        <a:font script="Deva" typeface="Mangal"/>
+        <a:font script="Telu" typeface="Gautami"/>
+        <a:font script="Taml" typeface="Latha"/>
+        <a:font script="Syrc" typeface="Estrangelo Edessa"/>
+        <a:font script="Orya" typeface="Kalinga"/>
+        <a:font script="Mlym" typeface="Kartika"/>
+        <a:font script="Laoo" typeface="DokChampa"/>
+        <a:font script="Sinh" typeface="Iskoola Pota"/>
+        <a:font script="Mong" typeface="Mongolian Baiti"/>
+        <a:font script="Viet" typeface="Arial"/>
+        <a:font script="Uigh" typeface="Microsoft Uighur"/>
+        <a:font script="Geor" typeface="Sylfaen"/>
+        <a:font script="Armn" typeface="Arial"/>
+        <a:font script="Bugi" typeface="Leelawadee UI"/>
+        <a:font script="Bopo" typeface="Microsoft JhengHei"/>
+        <a:font script="Java" typeface="Javanese Text"/>
+        <a:font script="Lisu" typeface="Segoe UI"/>
+        <a:font script="Mymr" typeface="Myanmar Text"/>
+        <a:font script="Nkoo" typeface="Ebrima"/>
+        <a:font script="Olck" typeface="Nirmala UI"/>
+        <a:font script="Osma" typeface="Ebrima"/>
+        <a:font script="Phag" typeface="Phagspa"/>
+        <a:font script="Syrn" typeface="Estrangelo Edessa"/>
+        <a:font script="Syrj" typeface="Estrangelo Edessa"/>
+        <a:font script="Syre" typeface="Estrangelo Edessa"/>
+        <a:font script="Sora" typeface="Nirmala UI"/>
+        <a:font script="Tale" typeface="Microsoft Tai Le"/>
+        <a:font script="Talu" typeface="Microsoft New Tai Lue"/>
+        <a:font script="Tfng" typeface="Ebrima"/>
+      </a:minorFont>
+    </a:fontScheme>
+    <a:fmtScheme name="Office">
+      <a:fillStyleLst>
+        <a:solidFill>
+          <a:schemeClr val="phClr"/>
+        </a:solidFill>
+        <a:gradFill rotWithShape="1">
+          <a:gsLst>
+            <a:gs pos="0">
+              <a:schemeClr val="phClr">
+                <a:lumMod val="110000"/>
+                <a:satMod val="105000"/>
+                <a:tint val="67000"/>
+              </a:schemeClr>
+            </a:gs>
+            <a:gs pos="50000">
+              <a:schemeClr val="phClr">
+                <a:lumMod val="105000"/>
+                <a:satMod val="103000"/>
+                <a:tint val="73000"/>
+              </a:schemeClr>
+            </a:gs>
+            <a:gs pos="100000">
+              <a:schemeClr val="phClr">
+                <a:lumMod val="105000"/>
+                <a:satMod val="109000"/>
+                <a:tint val="81000"/>
+              </a:schemeClr>
+            </a:gs>
+          </a:gsLst>
+          <a:lin ang="5400000" scaled="0"/>
+        </a:gradFill>
+        <a:gradFill rotWithShape="1">
+          <a:gsLst>
+            <a:gs pos="0">
+              <a:schemeClr val="phClr">
+                <a:satMod val="103000"/>
+                <a:lumMod val="102000"/>
+                <a:tint val="94000"/>
+              </a:schemeClr>
+            </a:gs>
+            <a:gs pos="50000">
+              <a:schemeClr val="phClr">
+                <a:satMod val="110000"/>
+                <a:lumMod val="100000"/>
+                <a:shade val="100000"/>
+              </a:schemeClr>
+            </a:gs>
+            <a:gs pos="100000">
+              <a:schemeClr val="phClr">
+                <a:lumMod val="99000"/>
+                <a:satMod val="120000"/>
+                <a:shade val="78000"/>
+              </a:schemeClr>
+            </a:gs>
+          </a:gsLst>
+          <a:lin ang="5400000" scaled="0"/>
+        </a:gradFill>
+      </a:fillStyleLst>
+      <a:lnStyleLst>
+        <a:ln w="12700" cap="flat" cmpd="sng" algn="ctr">
+          <a:solidFill>
+            <a:schemeClr val="phClr"/>
+          </a:solidFill>
+          <a:prstDash val="solid"/>
+          <a:miter lim="800000"/>
+        </a:ln>
+        <a:ln w="19050" cap="flat" cmpd="sng" algn="ctr">
+          <a:solidFill>
+            <a:schemeClr val="phClr"/>
+          </a:solidFill>
+          <a:prstDash val="solid"/>
+          <a:miter lim="800000"/>
+        </a:ln>
+        <a:ln w="25400" cap="flat" cmpd="sng" algn="ctr">
+          <a:solidFill>
+            <a:schemeClr val="phClr"/>
+          </a:solidFill>
+          <a:prstDash val="solid"/>
+          <a:miter lim="800000"/>
+        </a:ln>
+      </a:lnStyleLst>
+      <a:effectStyleLst>
+        <a:effectStyle>
+          <a:effectLst/>
+        </a:effectStyle>
+        <a:effectStyle>
+          <a:effectLst/>
+        </a:effectStyle>
+        <a:effectStyle>
+          <a:effectLst>
+            <a:outerShdw blurRad="57150" dist="19050" dir="5400000" algn="ctr" rotWithShape="0">
+              <a:srgbClr val="000000">
+                <a:alpha val="63000"/>
+              </a:srgbClr>
+            </a:outerShdw>
+          </a:effectLst>
+        </a:effectStyle>
+      </a:effectStyleLst>
+      <a:bgFillStyleLst>
+        <a:solidFill>
+          <a:schemeClr val="phClr"/>
+        </a:solidFill>
+        <a:solidFill>
+          <a:schemeClr val="phClr">
+            <a:tint val="95000"/>
+            <a:satMod val="170000"/>
+          </a:schemeClr>
+        </a:solidFill>
+        <a:gradFill rotWithShape="1">
+          <a:gsLst>
+            <a:gs pos="0">
+              <a:schemeClr val="phClr">
+                <a:tint val="93000"/>
+                <a:satMod val="150000"/>
+                <a:shade val="98000"/>
+                <a:lumMod val="102000"/>
+              </a:schemeClr>
+            </a:gs>
+            <a:gs pos="50000">
+              <a:schemeClr val="phClr">
+                <a:tint val="98000"/>
+                <a:satMod val="130000"/>
+                <a:shade val="90000"/>
+                <a:lumMod val="103000"/>
+              </a:schemeClr>
+            </a:gs>
+            <a:gs pos="100000">
+              <a:schemeClr val="phClr">
+                <a:shade val="63000"/>
+                <a:satMod val="120000"/>
+              </a:schemeClr>
+            </a:gs>
+          </a:gsLst>
+          <a:lin ang="5400000" scaled="0"/>
+        </a:gradFill>
+      </a:bgFillStyleLst>
+    </a:fmtScheme>
+  </a:themeElements>
+  <a:objectDefaults>
+    <a:lnDef>
+      <a:spPr/>
+      <a:bodyPr/>
+      <a:lstStyle/>
+      <a:style>
+        <a:lnRef idx="2">
+          <a:schemeClr val="accent1"/>
+        </a:lnRef>
+        <a:fillRef idx="0">
+          <a:schemeClr val="accent1"/>
+        </a:fillRef>
+        <a:effectRef idx="1">
+          <a:schemeClr val="accent1"/>
+        </a:effectRef>
+        <a:fontRef idx="minor">
+          <a:schemeClr val="tx1"/>
+        </a:fontRef>
+      </a:style>
+    </a:lnDef>
+  </a:objectDefaults>
+  <a:extraClrSchemeLst/>
+  <a:extLst>
+    <a:ext uri="{05A4C25C-085E-4340-85A3-A5531E510DB2}">
+      <thm15:themeFamily xmlns:thm15="http://schemas.microsoft.com/office/thememl/2012/main" name="Office Theme" id="{2E142A2C-CD16-42D6-873A-C26D2A0506FA}" vid="{1BDDFF52-6CD6-40A5-AB3C-68EB2F1E4D0A}"/>
+    </a:ext>
+  </a:extLst>
+</a:theme>
 </file>